--- a/content/post/teaching/Week1-Intro-SM.pptx
+++ b/content/post/teaching/Week1-Intro-SM.pptx
@@ -1235,7 +1235,7 @@
   <pc:docChgLst>
     <pc:chgData name="Simon Mitchell" userId="ccf6019c-927f-4068-bc63-8cf034289409" providerId="ADAL" clId="{9D4E3BA0-74A5-E64F-A409-34AA5F34576E}"/>
     <pc:docChg chg="undo custSel modSld">
-      <pc:chgData name="Simon Mitchell" userId="ccf6019c-927f-4068-bc63-8cf034289409" providerId="ADAL" clId="{9D4E3BA0-74A5-E64F-A409-34AA5F34576E}" dt="2024-03-18T17:30:32.114" v="14" actId="20577"/>
+      <pc:chgData name="Simon Mitchell" userId="ccf6019c-927f-4068-bc63-8cf034289409" providerId="ADAL" clId="{9D4E3BA0-74A5-E64F-A409-34AA5F34576E}" dt="2024-03-19T17:10:16.351" v="20" actId="20577"/>
       <pc:docMkLst>
         <pc:docMk/>
       </pc:docMkLst>
@@ -1261,6 +1261,21 @@
             <ac:picMk id="2058" creationId="{993A15D2-8FF8-F642-9BD4-26EAA7A8C532}"/>
           </ac:picMkLst>
         </pc:picChg>
+      </pc:sldChg>
+      <pc:sldChg chg="modSp mod">
+        <pc:chgData name="Simon Mitchell" userId="ccf6019c-927f-4068-bc63-8cf034289409" providerId="ADAL" clId="{9D4E3BA0-74A5-E64F-A409-34AA5F34576E}" dt="2024-03-19T17:10:16.351" v="20" actId="20577"/>
+        <pc:sldMkLst>
+          <pc:docMk/>
+          <pc:sldMk cId="374086799" sldId="262"/>
+        </pc:sldMkLst>
+        <pc:spChg chg="mod">
+          <ac:chgData name="Simon Mitchell" userId="ccf6019c-927f-4068-bc63-8cf034289409" providerId="ADAL" clId="{9D4E3BA0-74A5-E64F-A409-34AA5F34576E}" dt="2024-03-19T17:10:16.351" v="20" actId="20577"/>
+          <ac:spMkLst>
+            <pc:docMk/>
+            <pc:sldMk cId="374086799" sldId="262"/>
+            <ac:spMk id="3" creationId="{7617BFA5-6924-0B48-AA21-1609E513A810}"/>
+          </ac:spMkLst>
+        </pc:spChg>
       </pc:sldChg>
       <pc:sldChg chg="delSp modSp mod">
         <pc:chgData name="Simon Mitchell" userId="ccf6019c-927f-4068-bc63-8cf034289409" providerId="ADAL" clId="{9D4E3BA0-74A5-E64F-A409-34AA5F34576E}" dt="2024-03-18T17:30:32.114" v="14" actId="20577"/>
@@ -1463,7 +1478,7 @@
           <a:p>
             <a:fld id="{A1DE5427-BB1E-AB42-B83E-50C99CC17C1A}" type="datetimeFigureOut">
               <a:rPr lang="en-GB" smtClean="0"/>
-              <a:t>18/03/2024</a:t>
+              <a:t>19/03/2024</a:t>
             </a:fld>
             <a:endParaRPr lang="en-GB"/>
           </a:p>
@@ -9017,7 +9032,7 @@
               <a:buChar char="-"/>
             </a:pPr>
             <a:r>
-              <a:rPr lang="en-GB"/>
+              <a:rPr lang="en-GB" dirty="0"/>
               <a:t>Part taught, part interactive.</a:t>
             </a:r>
           </a:p>
@@ -9027,13 +9042,13 @@
               <a:buChar char="-"/>
             </a:pPr>
             <a:r>
-              <a:rPr lang="en-GB"/>
+              <a:rPr lang="en-GB" dirty="0"/>
               <a:t>Research lead.</a:t>
             </a:r>
             <a:br>
-              <a:rPr lang="en-GB"/>
+              <a:rPr lang="en-GB" dirty="0"/>
             </a:br>
-            <a:endParaRPr lang="en-GB"/>
+            <a:endParaRPr lang="en-GB" dirty="0"/>
           </a:p>
           <a:p>
             <a:pPr marL="342900" indent="-342900">
@@ -9042,12 +9057,16 @@
             </a:pPr>
             <a:r>
               <a:rPr lang="en-GB"/>
-              <a:t>First time we’re offering this SSC.</a:t>
+              <a:t>Second </a:t>
+            </a:r>
+            <a:r>
+              <a:rPr lang="en-GB" dirty="0"/>
+              <a:t>time we’re offering this SSC.</a:t>
             </a:r>
             <a:br>
-              <a:rPr lang="en-GB"/>
+              <a:rPr lang="en-GB" dirty="0"/>
             </a:br>
-            <a:endParaRPr lang="en-GB"/>
+            <a:endParaRPr lang="en-GB" dirty="0"/>
           </a:p>
           <a:p>
             <a:pPr marL="342900" indent="-342900">
@@ -9055,7 +9074,7 @@
               <a:buChar char="-"/>
             </a:pPr>
             <a:r>
-              <a:rPr lang="en-GB"/>
+              <a:rPr lang="en-GB" dirty="0"/>
               <a:t>No coding or maths knowledge required.</a:t>
             </a:r>
           </a:p>
@@ -9065,7 +9084,7 @@
               <a:buChar char="-"/>
             </a:pPr>
             <a:r>
-              <a:rPr lang="en-GB"/>
+              <a:rPr lang="en-GB" dirty="0"/>
               <a:t>But we will show you how things work.</a:t>
             </a:r>
           </a:p>
@@ -9074,7 +9093,7 @@
               <a:buFontTx/>
               <a:buChar char="-"/>
             </a:pPr>
-            <a:endParaRPr lang="en-GB"/>
+            <a:endParaRPr lang="en-GB" dirty="0"/>
           </a:p>
           <a:p>
             <a:pPr marL="342900" indent="-342900">
@@ -9082,7 +9101,7 @@
               <a:buChar char="-"/>
             </a:pPr>
             <a:r>
-              <a:rPr lang="en-GB"/>
+              <a:rPr lang="en-GB" dirty="0"/>
               <a:t>Sorry in advance for any technical problems!</a:t>
             </a:r>
           </a:p>
@@ -11537,12 +11556,9 @@
 </file>
 
 <file path=customXml/item1.xml><?xml version="1.0" encoding="utf-8"?>
-<?mso-contentType ?>
-<FormTemplates xmlns="http://schemas.microsoft.com/sharepoint/v3/contenttype/forms">
-  <Display>DocumentLibraryForm</Display>
-  <Edit>DocumentLibraryForm</Edit>
-  <New>DocumentLibraryForm</New>
-</FormTemplates>
+<p:properties xmlns:p="http://schemas.microsoft.com/office/2006/metadata/properties" xmlns:xsi="http://www.w3.org/2001/XMLSchema-instance" xmlns:pc="http://schemas.microsoft.com/office/infopath/2007/PartnerControls">
+  <documentManagement/>
+</p:properties>
 </file>
 
 <file path=customXml/item2.xml><?xml version="1.0" encoding="utf-8"?>
@@ -11757,15 +11773,27 @@
 </file>
 
 <file path=customXml/item3.xml><?xml version="1.0" encoding="utf-8"?>
-<p:properties xmlns:p="http://schemas.microsoft.com/office/2006/metadata/properties" xmlns:xsi="http://www.w3.org/2001/XMLSchema-instance" xmlns:pc="http://schemas.microsoft.com/office/infopath/2007/PartnerControls">
-  <documentManagement/>
-</p:properties>
+<?mso-contentType ?>
+<FormTemplates xmlns="http://schemas.microsoft.com/sharepoint/v3/contenttype/forms">
+  <Display>DocumentLibraryForm</Display>
+  <Edit>DocumentLibraryForm</Edit>
+  <New>DocumentLibraryForm</New>
+</FormTemplates>
 </file>
 
 <file path=customXml/itemProps1.xml><?xml version="1.0" encoding="utf-8"?>
-<ds:datastoreItem xmlns:ds="http://schemas.openxmlformats.org/officeDocument/2006/customXml" ds:itemID="{4591DFF0-32FE-4E37-A04B-CD659AF4E52B}">
+<ds:datastoreItem xmlns:ds="http://schemas.openxmlformats.org/officeDocument/2006/customXml" ds:itemID="{0D2FD8D5-C065-4D8A-ABEF-3FF392831CC5}">
   <ds:schemaRefs>
-    <ds:schemaRef ds:uri="http://schemas.microsoft.com/sharepoint/v3/contenttype/forms"/>
+    <ds:schemaRef ds:uri="d0cf7155-5292-499e-94b8-ceb291bf61f2"/>
+    <ds:schemaRef ds:uri="http://purl.org/dc/dcmitype/"/>
+    <ds:schemaRef ds:uri="http://schemas.microsoft.com/office/infopath/2007/PartnerControls"/>
+    <ds:schemaRef ds:uri="http://www.w3.org/XML/1998/namespace"/>
+    <ds:schemaRef ds:uri="http://schemas.microsoft.com/office/2006/documentManagement/types"/>
+    <ds:schemaRef ds:uri="http://schemas.microsoft.com/office/2006/metadata/properties"/>
+    <ds:schemaRef ds:uri="http://purl.org/dc/terms/"/>
+    <ds:schemaRef ds:uri="http://purl.org/dc/elements/1.1/"/>
+    <ds:schemaRef ds:uri="http://schemas.openxmlformats.org/package/2006/metadata/core-properties"/>
+    <ds:schemaRef ds:uri="4b675c51-347a-4eaa-9a55-7e0aca984822"/>
   </ds:schemaRefs>
 </ds:datastoreItem>
 </file>
@@ -11790,18 +11818,9 @@
 </file>
 
 <file path=customXml/itemProps3.xml><?xml version="1.0" encoding="utf-8"?>
-<ds:datastoreItem xmlns:ds="http://schemas.openxmlformats.org/officeDocument/2006/customXml" ds:itemID="{0D2FD8D5-C065-4D8A-ABEF-3FF392831CC5}">
+<ds:datastoreItem xmlns:ds="http://schemas.openxmlformats.org/officeDocument/2006/customXml" ds:itemID="{4591DFF0-32FE-4E37-A04B-CD659AF4E52B}">
   <ds:schemaRefs>
-    <ds:schemaRef ds:uri="http://schemas.microsoft.com/office/2006/metadata/properties"/>
-    <ds:schemaRef ds:uri="4b675c51-347a-4eaa-9a55-7e0aca984822"/>
-    <ds:schemaRef ds:uri="http://schemas.openxmlformats.org/package/2006/metadata/core-properties"/>
-    <ds:schemaRef ds:uri="http://purl.org/dc/terms/"/>
-    <ds:schemaRef ds:uri="http://www.w3.org/XML/1998/namespace"/>
-    <ds:schemaRef ds:uri="http://purl.org/dc/elements/1.1/"/>
-    <ds:schemaRef ds:uri="http://schemas.microsoft.com/office/2006/documentManagement/types"/>
-    <ds:schemaRef ds:uri="http://schemas.microsoft.com/office/infopath/2007/PartnerControls"/>
-    <ds:schemaRef ds:uri="d0cf7155-5292-499e-94b8-ceb291bf61f2"/>
-    <ds:schemaRef ds:uri="http://purl.org/dc/dcmitype/"/>
+    <ds:schemaRef ds:uri="http://schemas.microsoft.com/sharepoint/v3/contenttype/forms"/>
   </ds:schemaRefs>
 </ds:datastoreItem>
 </file>
--- a/content/post/teaching/Week1-Intro-SM.pptx
+++ b/content/post/teaching/Week1-Intro-SM.pptx
@@ -137,1265 +137,6 @@
 </p1510:revInfo>
 </file>
 
-<file path=ppt/changesInfos/changesInfo1.xml><?xml version="1.0" encoding="utf-8"?>
-<pc:chgInfo xmlns:a="http://schemas.openxmlformats.org/drawingml/2006/main" xmlns:r="http://schemas.openxmlformats.org/officeDocument/2006/relationships" xmlns:ac="http://schemas.microsoft.com/office/drawing/2013/main/command" xmlns:pc="http://schemas.microsoft.com/office/powerpoint/2013/main/command">
-  <pc:docChgLst>
-    <pc:chgData name="Simon Mitchell" userId="ccf6019c-927f-4068-bc63-8cf034289409" providerId="ADAL" clId="{58722717-CA90-2D43-9094-74508B9C7CC6}"/>
-    <pc:docChg chg="undo custSel addSld delSld modSld sldOrd">
-      <pc:chgData name="Simon Mitchell" userId="ccf6019c-927f-4068-bc63-8cf034289409" providerId="ADAL" clId="{58722717-CA90-2D43-9094-74508B9C7CC6}" dt="2023-03-29T08:29:21.919" v="1560" actId="313"/>
-      <pc:docMkLst>
-        <pc:docMk/>
-      </pc:docMkLst>
-      <pc:sldChg chg="delSp modSp mod">
-        <pc:chgData name="Simon Mitchell" userId="ccf6019c-927f-4068-bc63-8cf034289409" providerId="ADAL" clId="{58722717-CA90-2D43-9094-74508B9C7CC6}" dt="2023-03-20T17:02:38.374" v="3" actId="478"/>
-        <pc:sldMkLst>
-          <pc:docMk/>
-          <pc:sldMk cId="3211065644" sldId="261"/>
-        </pc:sldMkLst>
-        <pc:spChg chg="mod">
-          <ac:chgData name="Simon Mitchell" userId="ccf6019c-927f-4068-bc63-8cf034289409" providerId="ADAL" clId="{58722717-CA90-2D43-9094-74508B9C7CC6}" dt="2023-03-20T17:02:37.032" v="2" actId="20577"/>
-          <ac:spMkLst>
-            <pc:docMk/>
-            <pc:sldMk cId="3211065644" sldId="261"/>
-            <ac:spMk id="3" creationId="{7617BFA5-6924-0B48-AA21-1609E513A810}"/>
-          </ac:spMkLst>
-        </pc:spChg>
-        <pc:picChg chg="del">
-          <ac:chgData name="Simon Mitchell" userId="ccf6019c-927f-4068-bc63-8cf034289409" providerId="ADAL" clId="{58722717-CA90-2D43-9094-74508B9C7CC6}" dt="2023-03-20T17:02:38.374" v="3" actId="478"/>
-          <ac:picMkLst>
-            <pc:docMk/>
-            <pc:sldMk cId="3211065644" sldId="261"/>
-            <ac:picMk id="2054" creationId="{85F252D2-6A4F-6940-8F9B-D6435A807B74}"/>
-          </ac:picMkLst>
-        </pc:picChg>
-      </pc:sldChg>
-      <pc:sldChg chg="delSp modSp mod">
-        <pc:chgData name="Simon Mitchell" userId="ccf6019c-927f-4068-bc63-8cf034289409" providerId="ADAL" clId="{58722717-CA90-2D43-9094-74508B9C7CC6}" dt="2023-03-20T17:03:25.575" v="7" actId="20577"/>
-        <pc:sldMkLst>
-          <pc:docMk/>
-          <pc:sldMk cId="3011729308" sldId="265"/>
-        </pc:sldMkLst>
-        <pc:spChg chg="mod">
-          <ac:chgData name="Simon Mitchell" userId="ccf6019c-927f-4068-bc63-8cf034289409" providerId="ADAL" clId="{58722717-CA90-2D43-9094-74508B9C7CC6}" dt="2023-03-20T17:03:25.575" v="7" actId="20577"/>
-          <ac:spMkLst>
-            <pc:docMk/>
-            <pc:sldMk cId="3011729308" sldId="265"/>
-            <ac:spMk id="3" creationId="{7617BFA5-6924-0B48-AA21-1609E513A810}"/>
-          </ac:spMkLst>
-        </pc:spChg>
-        <pc:picChg chg="del">
-          <ac:chgData name="Simon Mitchell" userId="ccf6019c-927f-4068-bc63-8cf034289409" providerId="ADAL" clId="{58722717-CA90-2D43-9094-74508B9C7CC6}" dt="2023-03-20T17:03:22.061" v="6" actId="478"/>
-          <ac:picMkLst>
-            <pc:docMk/>
-            <pc:sldMk cId="3011729308" sldId="265"/>
-            <ac:picMk id="2054" creationId="{85F252D2-6A4F-6940-8F9B-D6435A807B74}"/>
-          </ac:picMkLst>
-        </pc:picChg>
-      </pc:sldChg>
-      <pc:sldChg chg="delSp modSp mod">
-        <pc:chgData name="Simon Mitchell" userId="ccf6019c-927f-4068-bc63-8cf034289409" providerId="ADAL" clId="{58722717-CA90-2D43-9094-74508B9C7CC6}" dt="2023-03-20T17:03:20.231" v="5" actId="20577"/>
-        <pc:sldMkLst>
-          <pc:docMk/>
-          <pc:sldMk cId="2449798560" sldId="268"/>
-        </pc:sldMkLst>
-        <pc:spChg chg="mod">
-          <ac:chgData name="Simon Mitchell" userId="ccf6019c-927f-4068-bc63-8cf034289409" providerId="ADAL" clId="{58722717-CA90-2D43-9094-74508B9C7CC6}" dt="2023-03-20T17:03:20.231" v="5" actId="20577"/>
-          <ac:spMkLst>
-            <pc:docMk/>
-            <pc:sldMk cId="2449798560" sldId="268"/>
-            <ac:spMk id="3" creationId="{7617BFA5-6924-0B48-AA21-1609E513A810}"/>
-          </ac:spMkLst>
-        </pc:spChg>
-        <pc:picChg chg="del">
-          <ac:chgData name="Simon Mitchell" userId="ccf6019c-927f-4068-bc63-8cf034289409" providerId="ADAL" clId="{58722717-CA90-2D43-9094-74508B9C7CC6}" dt="2023-03-20T17:03:14.238" v="4" actId="478"/>
-          <ac:picMkLst>
-            <pc:docMk/>
-            <pc:sldMk cId="2449798560" sldId="268"/>
-            <ac:picMk id="2054" creationId="{85F252D2-6A4F-6940-8F9B-D6435A807B74}"/>
-          </ac:picMkLst>
-        </pc:picChg>
-      </pc:sldChg>
-      <pc:sldChg chg="addSp delSp modSp new mod">
-        <pc:chgData name="Simon Mitchell" userId="ccf6019c-927f-4068-bc63-8cf034289409" providerId="ADAL" clId="{58722717-CA90-2D43-9094-74508B9C7CC6}" dt="2023-03-20T17:44:13.020" v="61" actId="1076"/>
-        <pc:sldMkLst>
-          <pc:docMk/>
-          <pc:sldMk cId="3238612681" sldId="273"/>
-        </pc:sldMkLst>
-        <pc:spChg chg="mod">
-          <ac:chgData name="Simon Mitchell" userId="ccf6019c-927f-4068-bc63-8cf034289409" providerId="ADAL" clId="{58722717-CA90-2D43-9094-74508B9C7CC6}" dt="2023-03-20T17:04:11.261" v="41" actId="20577"/>
-          <ac:spMkLst>
-            <pc:docMk/>
-            <pc:sldMk cId="3238612681" sldId="273"/>
-            <ac:spMk id="2" creationId="{0DBE2E54-7FD6-17C8-6E21-C646516FCBED}"/>
-          </ac:spMkLst>
-        </pc:spChg>
-        <pc:spChg chg="del">
-          <ac:chgData name="Simon Mitchell" userId="ccf6019c-927f-4068-bc63-8cf034289409" providerId="ADAL" clId="{58722717-CA90-2D43-9094-74508B9C7CC6}" dt="2023-03-20T17:16:53.322" v="42" actId="478"/>
-          <ac:spMkLst>
-            <pc:docMk/>
-            <pc:sldMk cId="3238612681" sldId="273"/>
-            <ac:spMk id="3" creationId="{BD1AB3FF-6EEC-C571-0737-247D67DBAADE}"/>
-          </ac:spMkLst>
-        </pc:spChg>
-        <pc:spChg chg="add mod">
-          <ac:chgData name="Simon Mitchell" userId="ccf6019c-927f-4068-bc63-8cf034289409" providerId="ADAL" clId="{58722717-CA90-2D43-9094-74508B9C7CC6}" dt="2023-03-20T17:44:13.020" v="61" actId="1076"/>
-          <ac:spMkLst>
-            <pc:docMk/>
-            <pc:sldMk cId="3238612681" sldId="273"/>
-            <ac:spMk id="9" creationId="{78894198-B467-1562-BE77-08B5F0864AC4}"/>
-          </ac:spMkLst>
-        </pc:spChg>
-        <pc:picChg chg="add mod">
-          <ac:chgData name="Simon Mitchell" userId="ccf6019c-927f-4068-bc63-8cf034289409" providerId="ADAL" clId="{58722717-CA90-2D43-9094-74508B9C7CC6}" dt="2023-03-20T17:43:27.422" v="49" actId="1076"/>
-          <ac:picMkLst>
-            <pc:docMk/>
-            <pc:sldMk cId="3238612681" sldId="273"/>
-            <ac:picMk id="4" creationId="{8EC95245-5CC8-B3B5-2C4B-0763EEDCE456}"/>
-          </ac:picMkLst>
-        </pc:picChg>
-        <pc:picChg chg="add mod">
-          <ac:chgData name="Simon Mitchell" userId="ccf6019c-927f-4068-bc63-8cf034289409" providerId="ADAL" clId="{58722717-CA90-2D43-9094-74508B9C7CC6}" dt="2023-03-20T17:43:29.273" v="50" actId="1076"/>
-          <ac:picMkLst>
-            <pc:docMk/>
-            <pc:sldMk cId="3238612681" sldId="273"/>
-            <ac:picMk id="5" creationId="{F851DE45-FC10-3C3D-1B84-75D2B88EC5C6}"/>
-          </ac:picMkLst>
-        </pc:picChg>
-        <pc:picChg chg="add del mod">
-          <ac:chgData name="Simon Mitchell" userId="ccf6019c-927f-4068-bc63-8cf034289409" providerId="ADAL" clId="{58722717-CA90-2D43-9094-74508B9C7CC6}" dt="2023-03-20T17:43:38.856" v="52" actId="478"/>
-          <ac:picMkLst>
-            <pc:docMk/>
-            <pc:sldMk cId="3238612681" sldId="273"/>
-            <ac:picMk id="6" creationId="{13790B0D-C8BC-E2B4-6C29-D0844B3C74C1}"/>
-          </ac:picMkLst>
-        </pc:picChg>
-        <pc:picChg chg="add del mod">
-          <ac:chgData name="Simon Mitchell" userId="ccf6019c-927f-4068-bc63-8cf034289409" providerId="ADAL" clId="{58722717-CA90-2D43-9094-74508B9C7CC6}" dt="2023-03-20T17:43:48.783" v="56" actId="478"/>
-          <ac:picMkLst>
-            <pc:docMk/>
-            <pc:sldMk cId="3238612681" sldId="273"/>
-            <ac:picMk id="7" creationId="{0747E8BD-F8E5-4EF6-19FA-C902DBF49068}"/>
-          </ac:picMkLst>
-        </pc:picChg>
-      </pc:sldChg>
-      <pc:sldChg chg="add del">
-        <pc:chgData name="Simon Mitchell" userId="ccf6019c-927f-4068-bc63-8cf034289409" providerId="ADAL" clId="{58722717-CA90-2D43-9094-74508B9C7CC6}" dt="2023-03-22T09:35:20.868" v="73" actId="2696"/>
-        <pc:sldMkLst>
-          <pc:docMk/>
-          <pc:sldMk cId="238510222" sldId="274"/>
-        </pc:sldMkLst>
-      </pc:sldChg>
-      <pc:sldChg chg="addSp delSp modSp new del mod">
-        <pc:chgData name="Simon Mitchell" userId="ccf6019c-927f-4068-bc63-8cf034289409" providerId="ADAL" clId="{58722717-CA90-2D43-9094-74508B9C7CC6}" dt="2023-03-22T10:36:09.294" v="1036" actId="2696"/>
-        <pc:sldMkLst>
-          <pc:docMk/>
-          <pc:sldMk cId="3677825782" sldId="275"/>
-        </pc:sldMkLst>
-        <pc:spChg chg="del">
-          <ac:chgData name="Simon Mitchell" userId="ccf6019c-927f-4068-bc63-8cf034289409" providerId="ADAL" clId="{58722717-CA90-2D43-9094-74508B9C7CC6}" dt="2023-03-20T17:47:31.813" v="64" actId="478"/>
-          <ac:spMkLst>
-            <pc:docMk/>
-            <pc:sldMk cId="3677825782" sldId="275"/>
-            <ac:spMk id="2" creationId="{54B4919B-B838-1262-0BAF-B1ABB7DC7FED}"/>
-          </ac:spMkLst>
-        </pc:spChg>
-        <pc:spChg chg="del">
-          <ac:chgData name="Simon Mitchell" userId="ccf6019c-927f-4068-bc63-8cf034289409" providerId="ADAL" clId="{58722717-CA90-2D43-9094-74508B9C7CC6}" dt="2023-03-20T17:47:31.813" v="64" actId="478"/>
-          <ac:spMkLst>
-            <pc:docMk/>
-            <pc:sldMk cId="3677825782" sldId="275"/>
-            <ac:spMk id="3" creationId="{76E11558-A59A-2859-70AB-79B65EC8081F}"/>
-          </ac:spMkLst>
-        </pc:spChg>
-        <pc:spChg chg="add mod">
-          <ac:chgData name="Simon Mitchell" userId="ccf6019c-927f-4068-bc63-8cf034289409" providerId="ADAL" clId="{58722717-CA90-2D43-9094-74508B9C7CC6}" dt="2023-03-20T17:48:05.270" v="72" actId="1076"/>
-          <ac:spMkLst>
-            <pc:docMk/>
-            <pc:sldMk cId="3677825782" sldId="275"/>
-            <ac:spMk id="6" creationId="{918732A7-5461-C73B-6619-7049CF3EE6B3}"/>
-          </ac:spMkLst>
-        </pc:spChg>
-        <pc:picChg chg="add mod">
-          <ac:chgData name="Simon Mitchell" userId="ccf6019c-927f-4068-bc63-8cf034289409" providerId="ADAL" clId="{58722717-CA90-2D43-9094-74508B9C7CC6}" dt="2023-03-20T17:47:35.983" v="67" actId="1076"/>
-          <ac:picMkLst>
-            <pc:docMk/>
-            <pc:sldMk cId="3677825782" sldId="275"/>
-            <ac:picMk id="4" creationId="{CBF34EAC-CBEC-0887-81F3-B0273A016EB8}"/>
-          </ac:picMkLst>
-        </pc:picChg>
-      </pc:sldChg>
-      <pc:sldChg chg="addSp delSp modSp new mod modAnim">
-        <pc:chgData name="Simon Mitchell" userId="ccf6019c-927f-4068-bc63-8cf034289409" providerId="ADAL" clId="{58722717-CA90-2D43-9094-74508B9C7CC6}" dt="2023-03-29T08:29:21.919" v="1560" actId="313"/>
-        <pc:sldMkLst>
-          <pc:docMk/>
-          <pc:sldMk cId="2247597629" sldId="276"/>
-        </pc:sldMkLst>
-        <pc:spChg chg="mod">
-          <ac:chgData name="Simon Mitchell" userId="ccf6019c-927f-4068-bc63-8cf034289409" providerId="ADAL" clId="{58722717-CA90-2D43-9094-74508B9C7CC6}" dt="2023-03-22T10:09:16.228" v="832" actId="1076"/>
-          <ac:spMkLst>
-            <pc:docMk/>
-            <pc:sldMk cId="2247597629" sldId="276"/>
-            <ac:spMk id="2" creationId="{C5A9DDB5-E1D0-93B9-78C1-0594ED5F7FEF}"/>
-          </ac:spMkLst>
-        </pc:spChg>
-        <pc:spChg chg="del mod">
-          <ac:chgData name="Simon Mitchell" userId="ccf6019c-927f-4068-bc63-8cf034289409" providerId="ADAL" clId="{58722717-CA90-2D43-9094-74508B9C7CC6}" dt="2023-03-22T09:42:44.022" v="128" actId="478"/>
-          <ac:spMkLst>
-            <pc:docMk/>
-            <pc:sldMk cId="2247597629" sldId="276"/>
-            <ac:spMk id="3" creationId="{6C3ED234-D744-8EE9-2251-C48DF501688F}"/>
-          </ac:spMkLst>
-        </pc:spChg>
-        <pc:spChg chg="add mod">
-          <ac:chgData name="Simon Mitchell" userId="ccf6019c-927f-4068-bc63-8cf034289409" providerId="ADAL" clId="{58722717-CA90-2D43-9094-74508B9C7CC6}" dt="2023-03-22T10:09:38.763" v="836" actId="1076"/>
-          <ac:spMkLst>
-            <pc:docMk/>
-            <pc:sldMk cId="2247597629" sldId="276"/>
-            <ac:spMk id="4" creationId="{300E101A-EFA7-55C4-B026-30FEA4CB81DE}"/>
-          </ac:spMkLst>
-        </pc:spChg>
-        <pc:spChg chg="add mod">
-          <ac:chgData name="Simon Mitchell" userId="ccf6019c-927f-4068-bc63-8cf034289409" providerId="ADAL" clId="{58722717-CA90-2D43-9094-74508B9C7CC6}" dt="2023-03-22T10:09:38.763" v="836" actId="1076"/>
-          <ac:spMkLst>
-            <pc:docMk/>
-            <pc:sldMk cId="2247597629" sldId="276"/>
-            <ac:spMk id="5" creationId="{244AE17C-85D6-FC08-B07E-C4B34B4CA3B6}"/>
-          </ac:spMkLst>
-        </pc:spChg>
-        <pc:spChg chg="add mod">
-          <ac:chgData name="Simon Mitchell" userId="ccf6019c-927f-4068-bc63-8cf034289409" providerId="ADAL" clId="{58722717-CA90-2D43-9094-74508B9C7CC6}" dt="2023-03-22T10:10:24.309" v="888" actId="1076"/>
-          <ac:spMkLst>
-            <pc:docMk/>
-            <pc:sldMk cId="2247597629" sldId="276"/>
-            <ac:spMk id="7" creationId="{0F98C853-1695-961F-069D-4969D9F6AD3C}"/>
-          </ac:spMkLst>
-        </pc:spChg>
-        <pc:spChg chg="add mod">
-          <ac:chgData name="Simon Mitchell" userId="ccf6019c-927f-4068-bc63-8cf034289409" providerId="ADAL" clId="{58722717-CA90-2D43-9094-74508B9C7CC6}" dt="2023-03-22T10:09:38.763" v="836" actId="1076"/>
-          <ac:spMkLst>
-            <pc:docMk/>
-            <pc:sldMk cId="2247597629" sldId="276"/>
-            <ac:spMk id="9" creationId="{537F5EB7-1F30-9D67-6E31-2B9A1AA28226}"/>
-          </ac:spMkLst>
-        </pc:spChg>
-        <pc:spChg chg="add del mod">
-          <ac:chgData name="Simon Mitchell" userId="ccf6019c-927f-4068-bc63-8cf034289409" providerId="ADAL" clId="{58722717-CA90-2D43-9094-74508B9C7CC6}" dt="2023-03-22T09:47:45.320" v="256"/>
-          <ac:spMkLst>
-            <pc:docMk/>
-            <pc:sldMk cId="2247597629" sldId="276"/>
-            <ac:spMk id="11" creationId="{4B596542-D337-66E4-2569-0D4B89F11AC8}"/>
-          </ac:spMkLst>
-        </pc:spChg>
-        <pc:spChg chg="add mod">
-          <ac:chgData name="Simon Mitchell" userId="ccf6019c-927f-4068-bc63-8cf034289409" providerId="ADAL" clId="{58722717-CA90-2D43-9094-74508B9C7CC6}" dt="2023-03-22T10:09:38.763" v="836" actId="1076"/>
-          <ac:spMkLst>
-            <pc:docMk/>
-            <pc:sldMk cId="2247597629" sldId="276"/>
-            <ac:spMk id="13" creationId="{4EAB80E1-00FE-2AA7-CA14-9BB1A8D822FC}"/>
-          </ac:spMkLst>
-        </pc:spChg>
-        <pc:spChg chg="add mod">
-          <ac:chgData name="Simon Mitchell" userId="ccf6019c-927f-4068-bc63-8cf034289409" providerId="ADAL" clId="{58722717-CA90-2D43-9094-74508B9C7CC6}" dt="2023-03-22T10:09:38.763" v="836" actId="1076"/>
-          <ac:spMkLst>
-            <pc:docMk/>
-            <pc:sldMk cId="2247597629" sldId="276"/>
-            <ac:spMk id="14" creationId="{0C1DCEA5-858E-CC61-D40E-B932408BE168}"/>
-          </ac:spMkLst>
-        </pc:spChg>
-        <pc:spChg chg="add del mod">
-          <ac:chgData name="Simon Mitchell" userId="ccf6019c-927f-4068-bc63-8cf034289409" providerId="ADAL" clId="{58722717-CA90-2D43-9094-74508B9C7CC6}" dt="2023-03-22T09:47:34.684" v="251" actId="478"/>
-          <ac:spMkLst>
-            <pc:docMk/>
-            <pc:sldMk cId="2247597629" sldId="276"/>
-            <ac:spMk id="15" creationId="{DF31AD2C-83C7-89CD-19A0-B62C2B355ED0}"/>
-          </ac:spMkLst>
-        </pc:spChg>
-        <pc:spChg chg="add mod">
-          <ac:chgData name="Simon Mitchell" userId="ccf6019c-927f-4068-bc63-8cf034289409" providerId="ADAL" clId="{58722717-CA90-2D43-9094-74508B9C7CC6}" dt="2023-03-22T10:09:38.763" v="836" actId="1076"/>
-          <ac:spMkLst>
-            <pc:docMk/>
-            <pc:sldMk cId="2247597629" sldId="276"/>
-            <ac:spMk id="17" creationId="{0C136B5C-6028-E338-B801-F32C7BA89BB1}"/>
-          </ac:spMkLst>
-        </pc:spChg>
-        <pc:spChg chg="add del mod">
-          <ac:chgData name="Simon Mitchell" userId="ccf6019c-927f-4068-bc63-8cf034289409" providerId="ADAL" clId="{58722717-CA90-2D43-9094-74508B9C7CC6}" dt="2023-03-22T09:48:19.825" v="286"/>
-          <ac:spMkLst>
-            <pc:docMk/>
-            <pc:sldMk cId="2247597629" sldId="276"/>
-            <ac:spMk id="18" creationId="{92DF4DB3-89B2-74F9-DD29-EE54C9958738}"/>
-          </ac:spMkLst>
-        </pc:spChg>
-        <pc:spChg chg="add mod">
-          <ac:chgData name="Simon Mitchell" userId="ccf6019c-927f-4068-bc63-8cf034289409" providerId="ADAL" clId="{58722717-CA90-2D43-9094-74508B9C7CC6}" dt="2023-03-22T10:09:38.763" v="836" actId="1076"/>
-          <ac:spMkLst>
-            <pc:docMk/>
-            <pc:sldMk cId="2247597629" sldId="276"/>
-            <ac:spMk id="19" creationId="{4255E19E-0204-2914-E7DE-3DDFA4FBE0A1}"/>
-          </ac:spMkLst>
-        </pc:spChg>
-        <pc:spChg chg="add mod">
-          <ac:chgData name="Simon Mitchell" userId="ccf6019c-927f-4068-bc63-8cf034289409" providerId="ADAL" clId="{58722717-CA90-2D43-9094-74508B9C7CC6}" dt="2023-03-22T10:09:38.763" v="836" actId="1076"/>
-          <ac:spMkLst>
-            <pc:docMk/>
-            <pc:sldMk cId="2247597629" sldId="276"/>
-            <ac:spMk id="23" creationId="{B4CC8D89-ED64-4A89-C548-0419B7DDE366}"/>
-          </ac:spMkLst>
-        </pc:spChg>
-        <pc:spChg chg="add mod">
-          <ac:chgData name="Simon Mitchell" userId="ccf6019c-927f-4068-bc63-8cf034289409" providerId="ADAL" clId="{58722717-CA90-2D43-9094-74508B9C7CC6}" dt="2023-03-29T08:29:21.919" v="1560" actId="313"/>
-          <ac:spMkLst>
-            <pc:docMk/>
-            <pc:sldMk cId="2247597629" sldId="276"/>
-            <ac:spMk id="24" creationId="{B9D41F6C-F1FD-1EBF-FCD5-5758424F0016}"/>
-          </ac:spMkLst>
-        </pc:spChg>
-        <pc:spChg chg="add mod">
-          <ac:chgData name="Simon Mitchell" userId="ccf6019c-927f-4068-bc63-8cf034289409" providerId="ADAL" clId="{58722717-CA90-2D43-9094-74508B9C7CC6}" dt="2023-03-22T10:09:38.763" v="836" actId="1076"/>
-          <ac:spMkLst>
-            <pc:docMk/>
-            <pc:sldMk cId="2247597629" sldId="276"/>
-            <ac:spMk id="25" creationId="{2C5043E3-838C-A82A-6368-EA0AA91E61DF}"/>
-          </ac:spMkLst>
-        </pc:spChg>
-        <pc:spChg chg="add mod">
-          <ac:chgData name="Simon Mitchell" userId="ccf6019c-927f-4068-bc63-8cf034289409" providerId="ADAL" clId="{58722717-CA90-2D43-9094-74508B9C7CC6}" dt="2023-03-22T10:10:15.403" v="884" actId="1076"/>
-          <ac:spMkLst>
-            <pc:docMk/>
-            <pc:sldMk cId="2247597629" sldId="276"/>
-            <ac:spMk id="29" creationId="{57DAA392-A350-0D7F-804F-EA9528D423A1}"/>
-          </ac:spMkLst>
-        </pc:spChg>
-        <pc:spChg chg="add mod">
-          <ac:chgData name="Simon Mitchell" userId="ccf6019c-927f-4068-bc63-8cf034289409" providerId="ADAL" clId="{58722717-CA90-2D43-9094-74508B9C7CC6}" dt="2023-03-22T09:55:21.402" v="560" actId="164"/>
-          <ac:spMkLst>
-            <pc:docMk/>
-            <pc:sldMk cId="2247597629" sldId="276"/>
-            <ac:spMk id="31" creationId="{03B1E3D5-3F7C-EB0E-DC85-43DFEF0E2936}"/>
-          </ac:spMkLst>
-        </pc:spChg>
-        <pc:spChg chg="add del mod">
-          <ac:chgData name="Simon Mitchell" userId="ccf6019c-927f-4068-bc63-8cf034289409" providerId="ADAL" clId="{58722717-CA90-2D43-9094-74508B9C7CC6}" dt="2023-03-22T10:10:13.506" v="883" actId="478"/>
-          <ac:spMkLst>
-            <pc:docMk/>
-            <pc:sldMk cId="2247597629" sldId="276"/>
-            <ac:spMk id="32" creationId="{87B14CDD-5A49-3D05-6F25-151A5AC599D4}"/>
-          </ac:spMkLst>
-        </pc:spChg>
-        <pc:spChg chg="add del mod">
-          <ac:chgData name="Simon Mitchell" userId="ccf6019c-927f-4068-bc63-8cf034289409" providerId="ADAL" clId="{58722717-CA90-2D43-9094-74508B9C7CC6}" dt="2023-03-22T10:00:52.312" v="574"/>
-          <ac:spMkLst>
-            <pc:docMk/>
-            <pc:sldMk cId="2247597629" sldId="276"/>
-            <ac:spMk id="36" creationId="{CABE71C3-4C6A-9C1F-3B40-CD64E3DB74B7}"/>
-          </ac:spMkLst>
-        </pc:spChg>
-        <pc:spChg chg="add mod">
-          <ac:chgData name="Simon Mitchell" userId="ccf6019c-927f-4068-bc63-8cf034289409" providerId="ADAL" clId="{58722717-CA90-2D43-9094-74508B9C7CC6}" dt="2023-03-22T10:09:38.763" v="836" actId="1076"/>
-          <ac:spMkLst>
-            <pc:docMk/>
-            <pc:sldMk cId="2247597629" sldId="276"/>
-            <ac:spMk id="37" creationId="{1A169D32-5D2D-14C3-75E3-47BB8F6793CF}"/>
-          </ac:spMkLst>
-        </pc:spChg>
-        <pc:spChg chg="add mod">
-          <ac:chgData name="Simon Mitchell" userId="ccf6019c-927f-4068-bc63-8cf034289409" providerId="ADAL" clId="{58722717-CA90-2D43-9094-74508B9C7CC6}" dt="2023-03-22T10:09:38.763" v="836" actId="1076"/>
-          <ac:spMkLst>
-            <pc:docMk/>
-            <pc:sldMk cId="2247597629" sldId="276"/>
-            <ac:spMk id="39" creationId="{4FA70924-DF7E-07C9-4728-F36F22501207}"/>
-          </ac:spMkLst>
-        </pc:spChg>
-        <pc:spChg chg="add mod">
-          <ac:chgData name="Simon Mitchell" userId="ccf6019c-927f-4068-bc63-8cf034289409" providerId="ADAL" clId="{58722717-CA90-2D43-9094-74508B9C7CC6}" dt="2023-03-22T10:09:53.310" v="842" actId="120"/>
-          <ac:spMkLst>
-            <pc:docMk/>
-            <pc:sldMk cId="2247597629" sldId="276"/>
-            <ac:spMk id="41" creationId="{AD1A0246-44D1-3914-CD36-E36A1A9F184E}"/>
-          </ac:spMkLst>
-        </pc:spChg>
-        <pc:grpChg chg="add del mod">
-          <ac:chgData name="Simon Mitchell" userId="ccf6019c-927f-4068-bc63-8cf034289409" providerId="ADAL" clId="{58722717-CA90-2D43-9094-74508B9C7CC6}" dt="2023-03-22T10:09:38.763" v="836" actId="1076"/>
-          <ac:grpSpMkLst>
-            <pc:docMk/>
-            <pc:sldMk cId="2247597629" sldId="276"/>
-            <ac:grpSpMk id="26" creationId="{CEE06382-EF5B-B6D9-9595-F6CC010D32E1}"/>
-          </ac:grpSpMkLst>
-        </pc:grpChg>
-        <pc:grpChg chg="add mod">
-          <ac:chgData name="Simon Mitchell" userId="ccf6019c-927f-4068-bc63-8cf034289409" providerId="ADAL" clId="{58722717-CA90-2D43-9094-74508B9C7CC6}" dt="2023-03-22T10:09:38.763" v="836" actId="1076"/>
-          <ac:grpSpMkLst>
-            <pc:docMk/>
-            <pc:sldMk cId="2247597629" sldId="276"/>
-            <ac:grpSpMk id="27" creationId="{1A4967BC-2905-6972-E50B-B8271FBEAB50}"/>
-          </ac:grpSpMkLst>
-        </pc:grpChg>
-        <pc:grpChg chg="add mod">
-          <ac:chgData name="Simon Mitchell" userId="ccf6019c-927f-4068-bc63-8cf034289409" providerId="ADAL" clId="{58722717-CA90-2D43-9094-74508B9C7CC6}" dt="2023-03-22T10:09:38.763" v="836" actId="1076"/>
-          <ac:grpSpMkLst>
-            <pc:docMk/>
-            <pc:sldMk cId="2247597629" sldId="276"/>
-            <ac:grpSpMk id="28" creationId="{27D0D912-F770-5683-FB91-268C8282D1DC}"/>
-          </ac:grpSpMkLst>
-        </pc:grpChg>
-        <pc:grpChg chg="add mod">
-          <ac:chgData name="Simon Mitchell" userId="ccf6019c-927f-4068-bc63-8cf034289409" providerId="ADAL" clId="{58722717-CA90-2D43-9094-74508B9C7CC6}" dt="2023-03-22T10:02:22.091" v="643" actId="1076"/>
-          <ac:grpSpMkLst>
-            <pc:docMk/>
-            <pc:sldMk cId="2247597629" sldId="276"/>
-            <ac:grpSpMk id="33" creationId="{8EA3EC8F-AE9B-6A1A-F98A-B7AD164598D1}"/>
-          </ac:grpSpMkLst>
-        </pc:grpChg>
-        <pc:grpChg chg="add mod">
-          <ac:chgData name="Simon Mitchell" userId="ccf6019c-927f-4068-bc63-8cf034289409" providerId="ADAL" clId="{58722717-CA90-2D43-9094-74508B9C7CC6}" dt="2023-03-22T10:09:38.763" v="836" actId="1076"/>
-          <ac:grpSpMkLst>
-            <pc:docMk/>
-            <pc:sldMk cId="2247597629" sldId="276"/>
-            <ac:grpSpMk id="40" creationId="{FD1B6CBE-7367-6C35-C893-3D6A7A4A1C7F}"/>
-          </ac:grpSpMkLst>
-        </pc:grpChg>
-        <pc:picChg chg="add del mod">
-          <ac:chgData name="Simon Mitchell" userId="ccf6019c-927f-4068-bc63-8cf034289409" providerId="ADAL" clId="{58722717-CA90-2D43-9094-74508B9C7CC6}" dt="2023-03-22T09:46:18.197" v="217" actId="478"/>
-          <ac:picMkLst>
-            <pc:docMk/>
-            <pc:sldMk cId="2247597629" sldId="276"/>
-            <ac:picMk id="8" creationId="{9A732A8E-0A42-32AD-BDD5-AEC4CE882F96}"/>
-          </ac:picMkLst>
-        </pc:picChg>
-        <pc:picChg chg="add mod">
-          <ac:chgData name="Simon Mitchell" userId="ccf6019c-927f-4068-bc63-8cf034289409" providerId="ADAL" clId="{58722717-CA90-2D43-9094-74508B9C7CC6}" dt="2023-03-22T10:09:38.763" v="836" actId="1076"/>
-          <ac:picMkLst>
-            <pc:docMk/>
-            <pc:sldMk cId="2247597629" sldId="276"/>
-            <ac:picMk id="10" creationId="{E85796C8-F561-26B6-895D-6AA537F24117}"/>
-          </ac:picMkLst>
-        </pc:picChg>
-        <pc:picChg chg="add mod">
-          <ac:chgData name="Simon Mitchell" userId="ccf6019c-927f-4068-bc63-8cf034289409" providerId="ADAL" clId="{58722717-CA90-2D43-9094-74508B9C7CC6}" dt="2023-03-22T10:09:38.763" v="836" actId="1076"/>
-          <ac:picMkLst>
-            <pc:docMk/>
-            <pc:sldMk cId="2247597629" sldId="276"/>
-            <ac:picMk id="12" creationId="{017474E3-95C2-3118-3CB1-51D6FC6CE851}"/>
-          </ac:picMkLst>
-        </pc:picChg>
-        <pc:picChg chg="add del">
-          <ac:chgData name="Simon Mitchell" userId="ccf6019c-927f-4068-bc63-8cf034289409" providerId="ADAL" clId="{58722717-CA90-2D43-9094-74508B9C7CC6}" dt="2023-03-22T09:47:32.565" v="250" actId="478"/>
-          <ac:picMkLst>
-            <pc:docMk/>
-            <pc:sldMk cId="2247597629" sldId="276"/>
-            <ac:picMk id="16" creationId="{979FC0E1-BA3A-37F4-8F38-449811876A8F}"/>
-          </ac:picMkLst>
-        </pc:picChg>
-        <pc:picChg chg="add mod">
-          <ac:chgData name="Simon Mitchell" userId="ccf6019c-927f-4068-bc63-8cf034289409" providerId="ADAL" clId="{58722717-CA90-2D43-9094-74508B9C7CC6}" dt="2023-03-22T10:09:38.763" v="836" actId="1076"/>
-          <ac:picMkLst>
-            <pc:docMk/>
-            <pc:sldMk cId="2247597629" sldId="276"/>
-            <ac:picMk id="22" creationId="{E8D54BE5-BDFE-2C79-6E94-8BA4326E60D4}"/>
-          </ac:picMkLst>
-        </pc:picChg>
-        <pc:picChg chg="add mod">
-          <ac:chgData name="Simon Mitchell" userId="ccf6019c-927f-4068-bc63-8cf034289409" providerId="ADAL" clId="{58722717-CA90-2D43-9094-74508B9C7CC6}" dt="2023-03-22T10:09:38.763" v="836" actId="1076"/>
-          <ac:picMkLst>
-            <pc:docMk/>
-            <pc:sldMk cId="2247597629" sldId="276"/>
-            <ac:picMk id="34" creationId="{28F94945-F7BB-54FE-DBC5-26AB894D892F}"/>
-          </ac:picMkLst>
-        </pc:picChg>
-        <pc:picChg chg="add del mod">
-          <ac:chgData name="Simon Mitchell" userId="ccf6019c-927f-4068-bc63-8cf034289409" providerId="ADAL" clId="{58722717-CA90-2D43-9094-74508B9C7CC6}" dt="2023-03-22T10:01:38.560" v="586" actId="478"/>
-          <ac:picMkLst>
-            <pc:docMk/>
-            <pc:sldMk cId="2247597629" sldId="276"/>
-            <ac:picMk id="35" creationId="{76EE51A4-4ACE-7406-240D-DA90F9DE70C2}"/>
-          </ac:picMkLst>
-        </pc:picChg>
-        <pc:picChg chg="add mod">
-          <ac:chgData name="Simon Mitchell" userId="ccf6019c-927f-4068-bc63-8cf034289409" providerId="ADAL" clId="{58722717-CA90-2D43-9094-74508B9C7CC6}" dt="2023-03-22T10:09:38.763" v="836" actId="1076"/>
-          <ac:picMkLst>
-            <pc:docMk/>
-            <pc:sldMk cId="2247597629" sldId="276"/>
-            <ac:picMk id="38" creationId="{E06542EA-5541-226A-2318-0B74ECA4BC69}"/>
-          </ac:picMkLst>
-        </pc:picChg>
-        <pc:picChg chg="add del mod modCrop">
-          <ac:chgData name="Simon Mitchell" userId="ccf6019c-927f-4068-bc63-8cf034289409" providerId="ADAL" clId="{58722717-CA90-2D43-9094-74508B9C7CC6}" dt="2023-03-22T10:30:13.287" v="1023" actId="478"/>
-          <ac:picMkLst>
-            <pc:docMk/>
-            <pc:sldMk cId="2247597629" sldId="276"/>
-            <ac:picMk id="42" creationId="{29A3B0C9-58A1-C88A-4680-06390067D18F}"/>
-          </ac:picMkLst>
-        </pc:picChg>
-        <pc:picChg chg="add mod">
-          <ac:chgData name="Simon Mitchell" userId="ccf6019c-927f-4068-bc63-8cf034289409" providerId="ADAL" clId="{58722717-CA90-2D43-9094-74508B9C7CC6}" dt="2023-03-22T10:30:37.755" v="1027" actId="1076"/>
-          <ac:picMkLst>
-            <pc:docMk/>
-            <pc:sldMk cId="2247597629" sldId="276"/>
-            <ac:picMk id="44" creationId="{13523E1D-7EF8-CAD3-A49A-BB77065788D0}"/>
-          </ac:picMkLst>
-        </pc:picChg>
-        <pc:picChg chg="add mod">
-          <ac:chgData name="Simon Mitchell" userId="ccf6019c-927f-4068-bc63-8cf034289409" providerId="ADAL" clId="{58722717-CA90-2D43-9094-74508B9C7CC6}" dt="2023-03-22T10:09:38.763" v="836" actId="1076"/>
-          <ac:picMkLst>
-            <pc:docMk/>
-            <pc:sldMk cId="2247597629" sldId="276"/>
-            <ac:picMk id="1026" creationId="{2616D52D-73D0-ADDB-B822-0A1270708333}"/>
-          </ac:picMkLst>
-        </pc:picChg>
-        <pc:cxnChg chg="add mod">
-          <ac:chgData name="Simon Mitchell" userId="ccf6019c-927f-4068-bc63-8cf034289409" providerId="ADAL" clId="{58722717-CA90-2D43-9094-74508B9C7CC6}" dt="2023-03-22T10:09:38.763" v="836" actId="1076"/>
-          <ac:cxnSpMkLst>
-            <pc:docMk/>
-            <pc:sldMk cId="2247597629" sldId="276"/>
-            <ac:cxnSpMk id="21" creationId="{478EF28F-9AAB-132E-DE3F-F4B774F78558}"/>
-          </ac:cxnSpMkLst>
-        </pc:cxnChg>
-      </pc:sldChg>
-      <pc:sldChg chg="new del ord">
-        <pc:chgData name="Simon Mitchell" userId="ccf6019c-927f-4068-bc63-8cf034289409" providerId="ADAL" clId="{58722717-CA90-2D43-9094-74508B9C7CC6}" dt="2023-03-22T09:35:30.019" v="76" actId="2696"/>
-        <pc:sldMkLst>
-          <pc:docMk/>
-          <pc:sldMk cId="3673207554" sldId="276"/>
-        </pc:sldMkLst>
-      </pc:sldChg>
-      <pc:sldChg chg="addSp delSp modSp new mod modAnim">
-        <pc:chgData name="Simon Mitchell" userId="ccf6019c-927f-4068-bc63-8cf034289409" providerId="ADAL" clId="{58722717-CA90-2D43-9094-74508B9C7CC6}" dt="2023-03-22T10:31:17.800" v="1035"/>
-        <pc:sldMkLst>
-          <pc:docMk/>
-          <pc:sldMk cId="173527708" sldId="277"/>
-        </pc:sldMkLst>
-        <pc:spChg chg="mod">
-          <ac:chgData name="Simon Mitchell" userId="ccf6019c-927f-4068-bc63-8cf034289409" providerId="ADAL" clId="{58722717-CA90-2D43-9094-74508B9C7CC6}" dt="2023-03-22T10:14:40.420" v="979" actId="20577"/>
-          <ac:spMkLst>
-            <pc:docMk/>
-            <pc:sldMk cId="173527708" sldId="277"/>
-            <ac:spMk id="2" creationId="{00669433-016B-320F-A1F5-A2A6A3F35917}"/>
-          </ac:spMkLst>
-        </pc:spChg>
-        <pc:spChg chg="del">
-          <ac:chgData name="Simon Mitchell" userId="ccf6019c-927f-4068-bc63-8cf034289409" providerId="ADAL" clId="{58722717-CA90-2D43-9094-74508B9C7CC6}" dt="2023-03-22T10:11:28.528" v="891" actId="478"/>
-          <ac:spMkLst>
-            <pc:docMk/>
-            <pc:sldMk cId="173527708" sldId="277"/>
-            <ac:spMk id="3" creationId="{9B87E62C-1865-1A22-D5B7-A64FBA0D4331}"/>
-          </ac:spMkLst>
-        </pc:spChg>
-        <pc:spChg chg="add del mod">
-          <ac:chgData name="Simon Mitchell" userId="ccf6019c-927f-4068-bc63-8cf034289409" providerId="ADAL" clId="{58722717-CA90-2D43-9094-74508B9C7CC6}" dt="2023-03-22T10:14:01.381" v="916" actId="478"/>
-          <ac:spMkLst>
-            <pc:docMk/>
-            <pc:sldMk cId="173527708" sldId="277"/>
-            <ac:spMk id="4" creationId="{65086924-C1B2-18AC-6C59-F83EE6521271}"/>
-          </ac:spMkLst>
-        </pc:spChg>
-        <pc:spChg chg="add mod">
-          <ac:chgData name="Simon Mitchell" userId="ccf6019c-927f-4068-bc63-8cf034289409" providerId="ADAL" clId="{58722717-CA90-2D43-9094-74508B9C7CC6}" dt="2023-03-22T10:17:37.979" v="994" actId="1076"/>
-          <ac:spMkLst>
-            <pc:docMk/>
-            <pc:sldMk cId="173527708" sldId="277"/>
-            <ac:spMk id="5" creationId="{B286E2DC-D453-17C5-0193-BC78E58D4CAD}"/>
-          </ac:spMkLst>
-        </pc:spChg>
-        <pc:spChg chg="add mod">
-          <ac:chgData name="Simon Mitchell" userId="ccf6019c-927f-4068-bc63-8cf034289409" providerId="ADAL" clId="{58722717-CA90-2D43-9094-74508B9C7CC6}" dt="2023-03-22T10:17:37.979" v="994" actId="1076"/>
-          <ac:spMkLst>
-            <pc:docMk/>
-            <pc:sldMk cId="173527708" sldId="277"/>
-            <ac:spMk id="6" creationId="{90D34110-2079-EFCE-167B-F918C2CCD46D}"/>
-          </ac:spMkLst>
-        </pc:spChg>
-        <pc:spChg chg="add mod">
-          <ac:chgData name="Simon Mitchell" userId="ccf6019c-927f-4068-bc63-8cf034289409" providerId="ADAL" clId="{58722717-CA90-2D43-9094-74508B9C7CC6}" dt="2023-03-22T10:17:37.979" v="994" actId="1076"/>
-          <ac:spMkLst>
-            <pc:docMk/>
-            <pc:sldMk cId="173527708" sldId="277"/>
-            <ac:spMk id="7" creationId="{16D22FD3-25B0-A28D-BCA6-A6654FB47FD7}"/>
-          </ac:spMkLst>
-        </pc:spChg>
-        <pc:spChg chg="add del mod">
-          <ac:chgData name="Simon Mitchell" userId="ccf6019c-927f-4068-bc63-8cf034289409" providerId="ADAL" clId="{58722717-CA90-2D43-9094-74508B9C7CC6}" dt="2023-03-22T10:18:57.603" v="1014" actId="164"/>
-          <ac:spMkLst>
-            <pc:docMk/>
-            <pc:sldMk cId="173527708" sldId="277"/>
-            <ac:spMk id="13" creationId="{879CDE4D-FCBF-0F12-9415-3DFD9AAB5365}"/>
-          </ac:spMkLst>
-        </pc:spChg>
-        <pc:spChg chg="add del mod">
-          <ac:chgData name="Simon Mitchell" userId="ccf6019c-927f-4068-bc63-8cf034289409" providerId="ADAL" clId="{58722717-CA90-2D43-9094-74508B9C7CC6}" dt="2023-03-22T10:18:57.603" v="1014" actId="164"/>
-          <ac:spMkLst>
-            <pc:docMk/>
-            <pc:sldMk cId="173527708" sldId="277"/>
-            <ac:spMk id="14" creationId="{72B619A8-2E00-83C0-4265-0FE7312594A2}"/>
-          </ac:spMkLst>
-        </pc:spChg>
-        <pc:spChg chg="add mod">
-          <ac:chgData name="Simon Mitchell" userId="ccf6019c-927f-4068-bc63-8cf034289409" providerId="ADAL" clId="{58722717-CA90-2D43-9094-74508B9C7CC6}" dt="2023-03-22T10:18:57.603" v="1014" actId="164"/>
-          <ac:spMkLst>
-            <pc:docMk/>
-            <pc:sldMk cId="173527708" sldId="277"/>
-            <ac:spMk id="15" creationId="{24F8E592-6BF3-02B6-D677-BA1B3E6B4DD1}"/>
-          </ac:spMkLst>
-        </pc:spChg>
-        <pc:spChg chg="add del mod">
-          <ac:chgData name="Simon Mitchell" userId="ccf6019c-927f-4068-bc63-8cf034289409" providerId="ADAL" clId="{58722717-CA90-2D43-9094-74508B9C7CC6}" dt="2023-03-22T10:18:47.596" v="1009" actId="478"/>
-          <ac:spMkLst>
-            <pc:docMk/>
-            <pc:sldMk cId="173527708" sldId="277"/>
-            <ac:spMk id="16" creationId="{92E8287C-7143-F59D-D72E-2FC06392E00B}"/>
-          </ac:spMkLst>
-        </pc:spChg>
-        <pc:grpChg chg="add mod">
-          <ac:chgData name="Simon Mitchell" userId="ccf6019c-927f-4068-bc63-8cf034289409" providerId="ADAL" clId="{58722717-CA90-2D43-9094-74508B9C7CC6}" dt="2023-03-22T10:18:57.603" v="1014" actId="164"/>
-          <ac:grpSpMkLst>
-            <pc:docMk/>
-            <pc:sldMk cId="173527708" sldId="277"/>
-            <ac:grpSpMk id="17" creationId="{7672C5E5-41B9-6665-6CAF-2EC9EC53C3F1}"/>
-          </ac:grpSpMkLst>
-        </pc:grpChg>
-        <pc:picChg chg="add del mod">
-          <ac:chgData name="Simon Mitchell" userId="ccf6019c-927f-4068-bc63-8cf034289409" providerId="ADAL" clId="{58722717-CA90-2D43-9094-74508B9C7CC6}" dt="2023-03-22T10:15:16.010" v="982" actId="478"/>
-          <ac:picMkLst>
-            <pc:docMk/>
-            <pc:sldMk cId="173527708" sldId="277"/>
-            <ac:picMk id="8" creationId="{4A5C1AC2-9FF8-B8FC-A4EB-78D1CF8F0D43}"/>
-          </ac:picMkLst>
-        </pc:picChg>
-        <pc:picChg chg="add del mod">
-          <ac:chgData name="Simon Mitchell" userId="ccf6019c-927f-4068-bc63-8cf034289409" providerId="ADAL" clId="{58722717-CA90-2D43-9094-74508B9C7CC6}" dt="2023-03-22T10:16:59.496" v="986" actId="478"/>
-          <ac:picMkLst>
-            <pc:docMk/>
-            <pc:sldMk cId="173527708" sldId="277"/>
-            <ac:picMk id="9" creationId="{AFB98B1C-4AD3-70D9-75A9-6BFEB9DAD223}"/>
-          </ac:picMkLst>
-        </pc:picChg>
-        <pc:picChg chg="add mod">
-          <ac:chgData name="Simon Mitchell" userId="ccf6019c-927f-4068-bc63-8cf034289409" providerId="ADAL" clId="{58722717-CA90-2D43-9094-74508B9C7CC6}" dt="2023-03-22T10:17:41.163" v="996" actId="14100"/>
-          <ac:picMkLst>
-            <pc:docMk/>
-            <pc:sldMk cId="173527708" sldId="277"/>
-            <ac:picMk id="10" creationId="{565ABB96-1B60-658D-AF0B-113A2676C2FC}"/>
-          </ac:picMkLst>
-        </pc:picChg>
-        <pc:picChg chg="add mod">
-          <ac:chgData name="Simon Mitchell" userId="ccf6019c-927f-4068-bc63-8cf034289409" providerId="ADAL" clId="{58722717-CA90-2D43-9094-74508B9C7CC6}" dt="2023-03-22T10:17:45.466" v="998" actId="1076"/>
-          <ac:picMkLst>
-            <pc:docMk/>
-            <pc:sldMk cId="173527708" sldId="277"/>
-            <ac:picMk id="11" creationId="{BD5DC766-DF4E-4002-D446-958C213A192F}"/>
-          </ac:picMkLst>
-        </pc:picChg>
-        <pc:picChg chg="add mod">
-          <ac:chgData name="Simon Mitchell" userId="ccf6019c-927f-4068-bc63-8cf034289409" providerId="ADAL" clId="{58722717-CA90-2D43-9094-74508B9C7CC6}" dt="2023-03-22T10:17:37.979" v="994" actId="1076"/>
-          <ac:picMkLst>
-            <pc:docMk/>
-            <pc:sldMk cId="173527708" sldId="277"/>
-            <ac:picMk id="12" creationId="{DBB7B690-72A5-B498-716F-190201325D52}"/>
-          </ac:picMkLst>
-        </pc:picChg>
-        <pc:picChg chg="add mod">
-          <ac:chgData name="Simon Mitchell" userId="ccf6019c-927f-4068-bc63-8cf034289409" providerId="ADAL" clId="{58722717-CA90-2D43-9094-74508B9C7CC6}" dt="2023-03-22T10:31:16.182" v="1034" actId="1076"/>
-          <ac:picMkLst>
-            <pc:docMk/>
-            <pc:sldMk cId="173527708" sldId="277"/>
-            <ac:picMk id="18" creationId="{A9D84AE9-5764-045F-A20F-652B079FE29E}"/>
-          </ac:picMkLst>
-        </pc:picChg>
-        <pc:picChg chg="add mod">
-          <ac:chgData name="Simon Mitchell" userId="ccf6019c-927f-4068-bc63-8cf034289409" providerId="ADAL" clId="{58722717-CA90-2D43-9094-74508B9C7CC6}" dt="2023-03-22T10:17:37.979" v="994" actId="1076"/>
-          <ac:picMkLst>
-            <pc:docMk/>
-            <pc:sldMk cId="173527708" sldId="277"/>
-            <ac:picMk id="3074" creationId="{E513EEBE-AE2B-6CDB-B995-44D65B91F899}"/>
-          </ac:picMkLst>
-        </pc:picChg>
-      </pc:sldChg>
-      <pc:sldChg chg="addSp delSp modSp add del mod">
-        <pc:chgData name="Simon Mitchell" userId="ccf6019c-927f-4068-bc63-8cf034289409" providerId="ADAL" clId="{58722717-CA90-2D43-9094-74508B9C7CC6}" dt="2023-03-22T10:10:38.958" v="889" actId="2696"/>
-        <pc:sldMkLst>
-          <pc:docMk/>
-          <pc:sldMk cId="1257047516" sldId="277"/>
-        </pc:sldMkLst>
-        <pc:spChg chg="add del mod">
-          <ac:chgData name="Simon Mitchell" userId="ccf6019c-927f-4068-bc63-8cf034289409" providerId="ADAL" clId="{58722717-CA90-2D43-9094-74508B9C7CC6}" dt="2023-03-22T10:08:59.250" v="829" actId="21"/>
-          <ac:spMkLst>
-            <pc:docMk/>
-            <pc:sldMk cId="1257047516" sldId="277"/>
-            <ac:spMk id="3" creationId="{393285E2-F1E0-F8DE-E15D-64E541D48D72}"/>
-          </ac:spMkLst>
-        </pc:spChg>
-      </pc:sldChg>
-      <pc:sldChg chg="addSp delSp modSp new mod addAnim delAnim modAnim">
-        <pc:chgData name="Simon Mitchell" userId="ccf6019c-927f-4068-bc63-8cf034289409" providerId="ADAL" clId="{58722717-CA90-2D43-9094-74508B9C7CC6}" dt="2023-03-22T11:16:23.232" v="1280" actId="1037"/>
-        <pc:sldMkLst>
-          <pc:docMk/>
-          <pc:sldMk cId="3634466007" sldId="278"/>
-        </pc:sldMkLst>
-        <pc:spChg chg="add del mod">
-          <ac:chgData name="Simon Mitchell" userId="ccf6019c-927f-4068-bc63-8cf034289409" providerId="ADAL" clId="{58722717-CA90-2D43-9094-74508B9C7CC6}" dt="2023-03-22T10:55:29.574" v="1218" actId="1076"/>
-          <ac:spMkLst>
-            <pc:docMk/>
-            <pc:sldMk cId="3634466007" sldId="278"/>
-            <ac:spMk id="2" creationId="{FBD86AAF-8082-F23B-D850-EC3F86CFC435}"/>
-          </ac:spMkLst>
-        </pc:spChg>
-        <pc:spChg chg="add del">
-          <ac:chgData name="Simon Mitchell" userId="ccf6019c-927f-4068-bc63-8cf034289409" providerId="ADAL" clId="{58722717-CA90-2D43-9094-74508B9C7CC6}" dt="2023-03-22T10:36:50.177" v="1044" actId="478"/>
-          <ac:spMkLst>
-            <pc:docMk/>
-            <pc:sldMk cId="3634466007" sldId="278"/>
-            <ac:spMk id="3" creationId="{35AFF441-B333-B66C-0B64-1CC7F7FA1A8D}"/>
-          </ac:spMkLst>
-        </pc:spChg>
-        <pc:spChg chg="add del mod">
-          <ac:chgData name="Simon Mitchell" userId="ccf6019c-927f-4068-bc63-8cf034289409" providerId="ADAL" clId="{58722717-CA90-2D43-9094-74508B9C7CC6}" dt="2023-03-22T10:37:04.561" v="1051" actId="478"/>
-          <ac:spMkLst>
-            <pc:docMk/>
-            <pc:sldMk cId="3634466007" sldId="278"/>
-            <ac:spMk id="4" creationId="{AB4CD87D-01CF-946C-7E1F-46812EED0FEA}"/>
-          </ac:spMkLst>
-        </pc:spChg>
-        <pc:spChg chg="add del mod">
-          <ac:chgData name="Simon Mitchell" userId="ccf6019c-927f-4068-bc63-8cf034289409" providerId="ADAL" clId="{58722717-CA90-2D43-9094-74508B9C7CC6}" dt="2023-03-22T10:55:47.283" v="1220" actId="478"/>
-          <ac:spMkLst>
-            <pc:docMk/>
-            <pc:sldMk cId="3634466007" sldId="278"/>
-            <ac:spMk id="7" creationId="{5FABA6FE-DCC6-48F7-5FC6-6DA1ECF67116}"/>
-          </ac:spMkLst>
-        </pc:spChg>
-        <pc:spChg chg="add del mod">
-          <ac:chgData name="Simon Mitchell" userId="ccf6019c-927f-4068-bc63-8cf034289409" providerId="ADAL" clId="{58722717-CA90-2D43-9094-74508B9C7CC6}" dt="2023-03-22T10:41:28.625" v="1105"/>
-          <ac:spMkLst>
-            <pc:docMk/>
-            <pc:sldMk cId="3634466007" sldId="278"/>
-            <ac:spMk id="12" creationId="{1697A8BF-49FC-FA11-97F0-63044BCF2364}"/>
-          </ac:spMkLst>
-        </pc:spChg>
-        <pc:spChg chg="add mod">
-          <ac:chgData name="Simon Mitchell" userId="ccf6019c-927f-4068-bc63-8cf034289409" providerId="ADAL" clId="{58722717-CA90-2D43-9094-74508B9C7CC6}" dt="2023-03-22T10:54:27.030" v="1179" actId="1076"/>
-          <ac:spMkLst>
-            <pc:docMk/>
-            <pc:sldMk cId="3634466007" sldId="278"/>
-            <ac:spMk id="14" creationId="{356B5686-9AE9-D414-73D1-A02739E8EFF8}"/>
-          </ac:spMkLst>
-        </pc:spChg>
-        <pc:spChg chg="add mod">
-          <ac:chgData name="Simon Mitchell" userId="ccf6019c-927f-4068-bc63-8cf034289409" providerId="ADAL" clId="{58722717-CA90-2D43-9094-74508B9C7CC6}" dt="2023-03-22T10:54:27.030" v="1179" actId="1076"/>
-          <ac:spMkLst>
-            <pc:docMk/>
-            <pc:sldMk cId="3634466007" sldId="278"/>
-            <ac:spMk id="15" creationId="{E7CFC8BB-ADAF-AF8B-FE64-1E42ECFA67D7}"/>
-          </ac:spMkLst>
-        </pc:spChg>
-        <pc:spChg chg="add mod">
-          <ac:chgData name="Simon Mitchell" userId="ccf6019c-927f-4068-bc63-8cf034289409" providerId="ADAL" clId="{58722717-CA90-2D43-9094-74508B9C7CC6}" dt="2023-03-22T10:54:27.030" v="1179" actId="1076"/>
-          <ac:spMkLst>
-            <pc:docMk/>
-            <pc:sldMk cId="3634466007" sldId="278"/>
-            <ac:spMk id="16" creationId="{BFA1E679-7474-21B4-F3D9-E08A80C71CDB}"/>
-          </ac:spMkLst>
-        </pc:spChg>
-        <pc:spChg chg="mod">
-          <ac:chgData name="Simon Mitchell" userId="ccf6019c-927f-4068-bc63-8cf034289409" providerId="ADAL" clId="{58722717-CA90-2D43-9094-74508B9C7CC6}" dt="2023-03-22T10:53:28.081" v="1151"/>
-          <ac:spMkLst>
-            <pc:docMk/>
-            <pc:sldMk cId="3634466007" sldId="278"/>
-            <ac:spMk id="19" creationId="{1C74B5B9-DCC0-0049-6C26-AE90C0B15C25}"/>
-          </ac:spMkLst>
-        </pc:spChg>
-        <pc:spChg chg="mod">
-          <ac:chgData name="Simon Mitchell" userId="ccf6019c-927f-4068-bc63-8cf034289409" providerId="ADAL" clId="{58722717-CA90-2D43-9094-74508B9C7CC6}" dt="2023-03-22T10:53:28.081" v="1151"/>
-          <ac:spMkLst>
-            <pc:docMk/>
-            <pc:sldMk cId="3634466007" sldId="278"/>
-            <ac:spMk id="22" creationId="{DB5F2CE8-DEBD-82A1-EB74-1EF218B17C60}"/>
-          </ac:spMkLst>
-        </pc:spChg>
-        <pc:spChg chg="mod">
-          <ac:chgData name="Simon Mitchell" userId="ccf6019c-927f-4068-bc63-8cf034289409" providerId="ADAL" clId="{58722717-CA90-2D43-9094-74508B9C7CC6}" dt="2023-03-22T10:53:28.081" v="1151"/>
-          <ac:spMkLst>
-            <pc:docMk/>
-            <pc:sldMk cId="3634466007" sldId="278"/>
-            <ac:spMk id="23" creationId="{6C293640-B948-37D1-BA88-151327CCF2D9}"/>
-          </ac:spMkLst>
-        </pc:spChg>
-        <pc:spChg chg="mod">
-          <ac:chgData name="Simon Mitchell" userId="ccf6019c-927f-4068-bc63-8cf034289409" providerId="ADAL" clId="{58722717-CA90-2D43-9094-74508B9C7CC6}" dt="2023-03-22T10:53:32.455" v="1155" actId="113"/>
-          <ac:spMkLst>
-            <pc:docMk/>
-            <pc:sldMk cId="3634466007" sldId="278"/>
-            <ac:spMk id="25" creationId="{80C652C8-1559-4F33-D620-68AF565BE33B}"/>
-          </ac:spMkLst>
-        </pc:spChg>
-        <pc:spChg chg="mod">
-          <ac:chgData name="Simon Mitchell" userId="ccf6019c-927f-4068-bc63-8cf034289409" providerId="ADAL" clId="{58722717-CA90-2D43-9094-74508B9C7CC6}" dt="2023-03-22T10:53:32.455" v="1155" actId="113"/>
-          <ac:spMkLst>
-            <pc:docMk/>
-            <pc:sldMk cId="3634466007" sldId="278"/>
-            <ac:spMk id="28" creationId="{F96A6D0F-E509-2B66-6E56-A3D4D9FFFB70}"/>
-          </ac:spMkLst>
-        </pc:spChg>
-        <pc:spChg chg="mod">
-          <ac:chgData name="Simon Mitchell" userId="ccf6019c-927f-4068-bc63-8cf034289409" providerId="ADAL" clId="{58722717-CA90-2D43-9094-74508B9C7CC6}" dt="2023-03-22T10:53:32.455" v="1155" actId="113"/>
-          <ac:spMkLst>
-            <pc:docMk/>
-            <pc:sldMk cId="3634466007" sldId="278"/>
-            <ac:spMk id="29" creationId="{0DD7403C-8E8E-67AF-2E33-69D3AD701673}"/>
-          </ac:spMkLst>
-        </pc:spChg>
-        <pc:spChg chg="add del mod">
-          <ac:chgData name="Simon Mitchell" userId="ccf6019c-927f-4068-bc63-8cf034289409" providerId="ADAL" clId="{58722717-CA90-2D43-9094-74508B9C7CC6}" dt="2023-03-22T10:53:57.752" v="1169"/>
-          <ac:spMkLst>
-            <pc:docMk/>
-            <pc:sldMk cId="3634466007" sldId="278"/>
-            <ac:spMk id="30" creationId="{D38164A0-8BC8-E699-5A84-D35F0D9EE3DF}"/>
-          </ac:spMkLst>
-        </pc:spChg>
-        <pc:spChg chg="mod">
-          <ac:chgData name="Simon Mitchell" userId="ccf6019c-927f-4068-bc63-8cf034289409" providerId="ADAL" clId="{58722717-CA90-2D43-9094-74508B9C7CC6}" dt="2023-03-22T10:54:27.030" v="1179" actId="1076"/>
-          <ac:spMkLst>
-            <pc:docMk/>
-            <pc:sldMk cId="3634466007" sldId="278"/>
-            <ac:spMk id="32" creationId="{65958B65-0BEC-3A94-2F7E-06FC675A5079}"/>
-          </ac:spMkLst>
-        </pc:spChg>
-        <pc:spChg chg="del mod">
-          <ac:chgData name="Simon Mitchell" userId="ccf6019c-927f-4068-bc63-8cf034289409" providerId="ADAL" clId="{58722717-CA90-2D43-9094-74508B9C7CC6}" dt="2023-03-22T11:16:05.769" v="1251" actId="478"/>
-          <ac:spMkLst>
-            <pc:docMk/>
-            <pc:sldMk cId="3634466007" sldId="278"/>
-            <ac:spMk id="35" creationId="{051FD04E-1693-2798-B923-64D3AFB64270}"/>
-          </ac:spMkLst>
-        </pc:spChg>
-        <pc:spChg chg="mod">
-          <ac:chgData name="Simon Mitchell" userId="ccf6019c-927f-4068-bc63-8cf034289409" providerId="ADAL" clId="{58722717-CA90-2D43-9094-74508B9C7CC6}" dt="2023-03-22T10:54:27.030" v="1179" actId="1076"/>
-          <ac:spMkLst>
-            <pc:docMk/>
-            <pc:sldMk cId="3634466007" sldId="278"/>
-            <ac:spMk id="36" creationId="{9D479254-6DE5-2B37-B974-3B1A16D341A7}"/>
-          </ac:spMkLst>
-        </pc:spChg>
-        <pc:spChg chg="mod">
-          <ac:chgData name="Simon Mitchell" userId="ccf6019c-927f-4068-bc63-8cf034289409" providerId="ADAL" clId="{58722717-CA90-2D43-9094-74508B9C7CC6}" dt="2023-03-22T10:55:17.215" v="1207" actId="14100"/>
-          <ac:spMkLst>
-            <pc:docMk/>
-            <pc:sldMk cId="3634466007" sldId="278"/>
-            <ac:spMk id="38" creationId="{9EB7EF16-1971-4D4D-2A98-65E5261D9F04}"/>
-          </ac:spMkLst>
-        </pc:spChg>
-        <pc:spChg chg="del mod">
-          <ac:chgData name="Simon Mitchell" userId="ccf6019c-927f-4068-bc63-8cf034289409" providerId="ADAL" clId="{58722717-CA90-2D43-9094-74508B9C7CC6}" dt="2023-03-22T11:16:09.753" v="1252" actId="478"/>
-          <ac:spMkLst>
-            <pc:docMk/>
-            <pc:sldMk cId="3634466007" sldId="278"/>
-            <ac:spMk id="41" creationId="{E07ABB7F-594E-2436-56CD-06DC670658D7}"/>
-          </ac:spMkLst>
-        </pc:spChg>
-        <pc:spChg chg="mod">
-          <ac:chgData name="Simon Mitchell" userId="ccf6019c-927f-4068-bc63-8cf034289409" providerId="ADAL" clId="{58722717-CA90-2D43-9094-74508B9C7CC6}" dt="2023-03-22T10:54:27.030" v="1179" actId="1076"/>
-          <ac:spMkLst>
-            <pc:docMk/>
-            <pc:sldMk cId="3634466007" sldId="278"/>
-            <ac:spMk id="42" creationId="{93CC597A-7A21-7B61-BEB2-777B2724B225}"/>
-          </ac:spMkLst>
-        </pc:spChg>
-        <pc:spChg chg="mod">
-          <ac:chgData name="Simon Mitchell" userId="ccf6019c-927f-4068-bc63-8cf034289409" providerId="ADAL" clId="{58722717-CA90-2D43-9094-74508B9C7CC6}" dt="2023-03-22T10:54:27.030" v="1179" actId="1076"/>
-          <ac:spMkLst>
-            <pc:docMk/>
-            <pc:sldMk cId="3634466007" sldId="278"/>
-            <ac:spMk id="44" creationId="{38E15D00-C279-8E48-5EA1-25C8BCC89136}"/>
-          </ac:spMkLst>
-        </pc:spChg>
-        <pc:spChg chg="del mod">
-          <ac:chgData name="Simon Mitchell" userId="ccf6019c-927f-4068-bc63-8cf034289409" providerId="ADAL" clId="{58722717-CA90-2D43-9094-74508B9C7CC6}" dt="2023-03-22T11:16:11.929" v="1253" actId="478"/>
-          <ac:spMkLst>
-            <pc:docMk/>
-            <pc:sldMk cId="3634466007" sldId="278"/>
-            <ac:spMk id="47" creationId="{FC64DBEA-2375-17ED-040F-DC4077F1FECD}"/>
-          </ac:spMkLst>
-        </pc:spChg>
-        <pc:spChg chg="mod">
-          <ac:chgData name="Simon Mitchell" userId="ccf6019c-927f-4068-bc63-8cf034289409" providerId="ADAL" clId="{58722717-CA90-2D43-9094-74508B9C7CC6}" dt="2023-03-22T10:54:27.030" v="1179" actId="1076"/>
-          <ac:spMkLst>
-            <pc:docMk/>
-            <pc:sldMk cId="3634466007" sldId="278"/>
-            <ac:spMk id="48" creationId="{215CF7DD-8AC9-D5A7-11B4-402AE5FE29E0}"/>
-          </ac:spMkLst>
-        </pc:spChg>
-        <pc:grpChg chg="add mod">
-          <ac:chgData name="Simon Mitchell" userId="ccf6019c-927f-4068-bc63-8cf034289409" providerId="ADAL" clId="{58722717-CA90-2D43-9094-74508B9C7CC6}" dt="2023-03-22T10:54:59.037" v="1189" actId="1038"/>
-          <ac:grpSpMkLst>
-            <pc:docMk/>
-            <pc:sldMk cId="3634466007" sldId="278"/>
-            <ac:grpSpMk id="17" creationId="{8E12D170-CBDF-5491-7502-9D5B137C5243}"/>
-          </ac:grpSpMkLst>
-        </pc:grpChg>
-        <pc:grpChg chg="add del mod">
-          <ac:chgData name="Simon Mitchell" userId="ccf6019c-927f-4068-bc63-8cf034289409" providerId="ADAL" clId="{58722717-CA90-2D43-9094-74508B9C7CC6}" dt="2023-03-22T10:53:54.136" v="1166" actId="478"/>
-          <ac:grpSpMkLst>
-            <pc:docMk/>
-            <pc:sldMk cId="3634466007" sldId="278"/>
-            <ac:grpSpMk id="18" creationId="{55B90F38-9FC7-9154-F1D8-FF72BE05EB57}"/>
-          </ac:grpSpMkLst>
-        </pc:grpChg>
-        <pc:grpChg chg="add del mod">
-          <ac:chgData name="Simon Mitchell" userId="ccf6019c-927f-4068-bc63-8cf034289409" providerId="ADAL" clId="{58722717-CA90-2D43-9094-74508B9C7CC6}" dt="2023-03-22T10:53:54.835" v="1167" actId="478"/>
-          <ac:grpSpMkLst>
-            <pc:docMk/>
-            <pc:sldMk cId="3634466007" sldId="278"/>
-            <ac:grpSpMk id="24" creationId="{34D9E8A7-1DF4-BEB0-977E-56DE2700CB8D}"/>
-          </ac:grpSpMkLst>
-        </pc:grpChg>
-        <pc:grpChg chg="add mod">
-          <ac:chgData name="Simon Mitchell" userId="ccf6019c-927f-4068-bc63-8cf034289409" providerId="ADAL" clId="{58722717-CA90-2D43-9094-74508B9C7CC6}" dt="2023-03-22T11:16:23.232" v="1280" actId="1037"/>
-          <ac:grpSpMkLst>
-            <pc:docMk/>
-            <pc:sldMk cId="3634466007" sldId="278"/>
-            <ac:grpSpMk id="31" creationId="{E07ABEAD-B362-3EEF-54B6-398E38F5E393}"/>
-          </ac:grpSpMkLst>
-        </pc:grpChg>
-        <pc:grpChg chg="add mod">
-          <ac:chgData name="Simon Mitchell" userId="ccf6019c-927f-4068-bc63-8cf034289409" providerId="ADAL" clId="{58722717-CA90-2D43-9094-74508B9C7CC6}" dt="2023-03-22T11:16:20.224" v="1274" actId="1037"/>
-          <ac:grpSpMkLst>
-            <pc:docMk/>
-            <pc:sldMk cId="3634466007" sldId="278"/>
-            <ac:grpSpMk id="37" creationId="{9CE44AF1-5A66-D428-367A-CA3B478B3A9C}"/>
-          </ac:grpSpMkLst>
-        </pc:grpChg>
-        <pc:grpChg chg="add mod">
-          <ac:chgData name="Simon Mitchell" userId="ccf6019c-927f-4068-bc63-8cf034289409" providerId="ADAL" clId="{58722717-CA90-2D43-9094-74508B9C7CC6}" dt="2023-03-22T11:16:16.560" v="1265" actId="1038"/>
-          <ac:grpSpMkLst>
-            <pc:docMk/>
-            <pc:sldMk cId="3634466007" sldId="278"/>
-            <ac:grpSpMk id="43" creationId="{70ECC62E-8076-81F6-05A1-21AEFBBB6D21}"/>
-          </ac:grpSpMkLst>
-        </pc:grpChg>
-        <pc:picChg chg="add del mod">
-          <ac:chgData name="Simon Mitchell" userId="ccf6019c-927f-4068-bc63-8cf034289409" providerId="ADAL" clId="{58722717-CA90-2D43-9094-74508B9C7CC6}" dt="2023-03-22T10:57:08.545" v="1230" actId="1076"/>
-          <ac:picMkLst>
-            <pc:docMk/>
-            <pc:sldMk cId="3634466007" sldId="278"/>
-            <ac:picMk id="5" creationId="{03FA6804-8448-C0CC-51DF-CABFBE45BE51}"/>
-          </ac:picMkLst>
-        </pc:picChg>
-        <pc:picChg chg="add mod">
-          <ac:chgData name="Simon Mitchell" userId="ccf6019c-927f-4068-bc63-8cf034289409" providerId="ADAL" clId="{58722717-CA90-2D43-9094-74508B9C7CC6}" dt="2023-03-22T10:57:08.545" v="1230" actId="1076"/>
-          <ac:picMkLst>
-            <pc:docMk/>
-            <pc:sldMk cId="3634466007" sldId="278"/>
-            <ac:picMk id="6" creationId="{4C95632B-27A3-E8BD-263D-ECE02AB4D880}"/>
-          </ac:picMkLst>
-        </pc:picChg>
-        <pc:picChg chg="add del mod">
-          <ac:chgData name="Simon Mitchell" userId="ccf6019c-927f-4068-bc63-8cf034289409" providerId="ADAL" clId="{58722717-CA90-2D43-9094-74508B9C7CC6}" dt="2023-03-22T10:42:32.555" v="1110" actId="478"/>
-          <ac:picMkLst>
-            <pc:docMk/>
-            <pc:sldMk cId="3634466007" sldId="278"/>
-            <ac:picMk id="13" creationId="{6C9336E6-DDE1-AAF6-B96B-6BD2C8ECC119}"/>
-          </ac:picMkLst>
-        </pc:picChg>
-        <pc:picChg chg="add del mod">
-          <ac:chgData name="Simon Mitchell" userId="ccf6019c-927f-4068-bc63-8cf034289409" providerId="ADAL" clId="{58722717-CA90-2D43-9094-74508B9C7CC6}" dt="2023-03-22T10:57:25.928" v="1250" actId="478"/>
-          <ac:picMkLst>
-            <pc:docMk/>
-            <pc:sldMk cId="3634466007" sldId="278"/>
-            <ac:picMk id="49" creationId="{5AC3A030-AB16-415E-CB63-EF58156DFACA}"/>
-          </ac:picMkLst>
-        </pc:picChg>
-        <pc:picChg chg="add mod">
-          <ac:chgData name="Simon Mitchell" userId="ccf6019c-927f-4068-bc63-8cf034289409" providerId="ADAL" clId="{58722717-CA90-2D43-9094-74508B9C7CC6}" dt="2023-03-22T10:54:27.030" v="1179" actId="1076"/>
-          <ac:picMkLst>
-            <pc:docMk/>
-            <pc:sldMk cId="3634466007" sldId="278"/>
-            <ac:picMk id="4098" creationId="{D98A0173-CB22-7350-12C5-5DF20119907F}"/>
-          </ac:picMkLst>
-        </pc:picChg>
-        <pc:cxnChg chg="add mod">
-          <ac:chgData name="Simon Mitchell" userId="ccf6019c-927f-4068-bc63-8cf034289409" providerId="ADAL" clId="{58722717-CA90-2D43-9094-74508B9C7CC6}" dt="2023-03-22T10:54:27.030" v="1179" actId="1076"/>
-          <ac:cxnSpMkLst>
-            <pc:docMk/>
-            <pc:sldMk cId="3634466007" sldId="278"/>
-            <ac:cxnSpMk id="9" creationId="{3E20FA34-21BF-2AB9-0350-880396418993}"/>
-          </ac:cxnSpMkLst>
-        </pc:cxnChg>
-        <pc:cxnChg chg="add mod">
-          <ac:chgData name="Simon Mitchell" userId="ccf6019c-927f-4068-bc63-8cf034289409" providerId="ADAL" clId="{58722717-CA90-2D43-9094-74508B9C7CC6}" dt="2023-03-22T10:54:27.030" v="1179" actId="1076"/>
-          <ac:cxnSpMkLst>
-            <pc:docMk/>
-            <pc:sldMk cId="3634466007" sldId="278"/>
-            <ac:cxnSpMk id="10" creationId="{BFC2BBC4-8BDB-76CF-11EC-39AF9D4571D3}"/>
-          </ac:cxnSpMkLst>
-        </pc:cxnChg>
-        <pc:cxnChg chg="mod">
-          <ac:chgData name="Simon Mitchell" userId="ccf6019c-927f-4068-bc63-8cf034289409" providerId="ADAL" clId="{58722717-CA90-2D43-9094-74508B9C7CC6}" dt="2023-03-22T10:53:28.081" v="1151"/>
-          <ac:cxnSpMkLst>
-            <pc:docMk/>
-            <pc:sldMk cId="3634466007" sldId="278"/>
-            <ac:cxnSpMk id="20" creationId="{9405F2B6-0210-5735-47CC-409EBEBAB423}"/>
-          </ac:cxnSpMkLst>
-        </pc:cxnChg>
-        <pc:cxnChg chg="mod">
-          <ac:chgData name="Simon Mitchell" userId="ccf6019c-927f-4068-bc63-8cf034289409" providerId="ADAL" clId="{58722717-CA90-2D43-9094-74508B9C7CC6}" dt="2023-03-22T10:53:28.081" v="1151"/>
-          <ac:cxnSpMkLst>
-            <pc:docMk/>
-            <pc:sldMk cId="3634466007" sldId="278"/>
-            <ac:cxnSpMk id="21" creationId="{2E935D5E-EB5A-A7D9-5F3A-A3C1E0992989}"/>
-          </ac:cxnSpMkLst>
-        </pc:cxnChg>
-        <pc:cxnChg chg="mod">
-          <ac:chgData name="Simon Mitchell" userId="ccf6019c-927f-4068-bc63-8cf034289409" providerId="ADAL" clId="{58722717-CA90-2D43-9094-74508B9C7CC6}" dt="2023-03-22T10:53:31.367" v="1153"/>
-          <ac:cxnSpMkLst>
-            <pc:docMk/>
-            <pc:sldMk cId="3634466007" sldId="278"/>
-            <ac:cxnSpMk id="26" creationId="{0FB18BE5-EE33-E53A-5704-A1D6F0022842}"/>
-          </ac:cxnSpMkLst>
-        </pc:cxnChg>
-        <pc:cxnChg chg="mod">
-          <ac:chgData name="Simon Mitchell" userId="ccf6019c-927f-4068-bc63-8cf034289409" providerId="ADAL" clId="{58722717-CA90-2D43-9094-74508B9C7CC6}" dt="2023-03-22T10:53:31.367" v="1153"/>
-          <ac:cxnSpMkLst>
-            <pc:docMk/>
-            <pc:sldMk cId="3634466007" sldId="278"/>
-            <ac:cxnSpMk id="27" creationId="{086EF126-6D6F-520D-24CD-293B3C99E9DA}"/>
-          </ac:cxnSpMkLst>
-        </pc:cxnChg>
-        <pc:cxnChg chg="del mod">
-          <ac:chgData name="Simon Mitchell" userId="ccf6019c-927f-4068-bc63-8cf034289409" providerId="ADAL" clId="{58722717-CA90-2D43-9094-74508B9C7CC6}" dt="2023-03-22T11:16:05.769" v="1251" actId="478"/>
-          <ac:cxnSpMkLst>
-            <pc:docMk/>
-            <pc:sldMk cId="3634466007" sldId="278"/>
-            <ac:cxnSpMk id="33" creationId="{8B078229-C346-08D0-87D3-3D543831D359}"/>
-          </ac:cxnSpMkLst>
-        </pc:cxnChg>
-        <pc:cxnChg chg="mod">
-          <ac:chgData name="Simon Mitchell" userId="ccf6019c-927f-4068-bc63-8cf034289409" providerId="ADAL" clId="{58722717-CA90-2D43-9094-74508B9C7CC6}" dt="2023-03-22T10:54:27.030" v="1179" actId="1076"/>
-          <ac:cxnSpMkLst>
-            <pc:docMk/>
-            <pc:sldMk cId="3634466007" sldId="278"/>
-            <ac:cxnSpMk id="34" creationId="{A71CB008-37B3-5C40-7EA8-020B5A5F058B}"/>
-          </ac:cxnSpMkLst>
-        </pc:cxnChg>
-        <pc:cxnChg chg="del mod">
-          <ac:chgData name="Simon Mitchell" userId="ccf6019c-927f-4068-bc63-8cf034289409" providerId="ADAL" clId="{58722717-CA90-2D43-9094-74508B9C7CC6}" dt="2023-03-22T11:16:09.753" v="1252" actId="478"/>
-          <ac:cxnSpMkLst>
-            <pc:docMk/>
-            <pc:sldMk cId="3634466007" sldId="278"/>
-            <ac:cxnSpMk id="39" creationId="{4A09EC9E-6065-FE9F-82AE-94201FD6D879}"/>
-          </ac:cxnSpMkLst>
-        </pc:cxnChg>
-        <pc:cxnChg chg="mod">
-          <ac:chgData name="Simon Mitchell" userId="ccf6019c-927f-4068-bc63-8cf034289409" providerId="ADAL" clId="{58722717-CA90-2D43-9094-74508B9C7CC6}" dt="2023-03-22T10:54:27.030" v="1179" actId="1076"/>
-          <ac:cxnSpMkLst>
-            <pc:docMk/>
-            <pc:sldMk cId="3634466007" sldId="278"/>
-            <ac:cxnSpMk id="40" creationId="{23926AF8-C0E3-404A-2620-C8EFC285DA3A}"/>
-          </ac:cxnSpMkLst>
-        </pc:cxnChg>
-        <pc:cxnChg chg="del mod">
-          <ac:chgData name="Simon Mitchell" userId="ccf6019c-927f-4068-bc63-8cf034289409" providerId="ADAL" clId="{58722717-CA90-2D43-9094-74508B9C7CC6}" dt="2023-03-22T11:16:11.929" v="1253" actId="478"/>
-          <ac:cxnSpMkLst>
-            <pc:docMk/>
-            <pc:sldMk cId="3634466007" sldId="278"/>
-            <ac:cxnSpMk id="45" creationId="{D97B45AD-94DC-90AD-1F10-AC5D36A5F9CB}"/>
-          </ac:cxnSpMkLst>
-        </pc:cxnChg>
-        <pc:cxnChg chg="mod">
-          <ac:chgData name="Simon Mitchell" userId="ccf6019c-927f-4068-bc63-8cf034289409" providerId="ADAL" clId="{58722717-CA90-2D43-9094-74508B9C7CC6}" dt="2023-03-22T10:54:27.030" v="1179" actId="1076"/>
-          <ac:cxnSpMkLst>
-            <pc:docMk/>
-            <pc:sldMk cId="3634466007" sldId="278"/>
-            <ac:cxnSpMk id="46" creationId="{9DF29DA8-D26B-09E5-5CB2-8B1D48C35BC9}"/>
-          </ac:cxnSpMkLst>
-        </pc:cxnChg>
-      </pc:sldChg>
-      <pc:sldChg chg="delSp modSp new mod">
-        <pc:chgData name="Simon Mitchell" userId="ccf6019c-927f-4068-bc63-8cf034289409" providerId="ADAL" clId="{58722717-CA90-2D43-9094-74508B9C7CC6}" dt="2023-03-22T11:20:29.205" v="1559" actId="478"/>
-        <pc:sldMkLst>
-          <pc:docMk/>
-          <pc:sldMk cId="90160218" sldId="279"/>
-        </pc:sldMkLst>
-        <pc:spChg chg="del mod">
-          <ac:chgData name="Simon Mitchell" userId="ccf6019c-927f-4068-bc63-8cf034289409" providerId="ADAL" clId="{58722717-CA90-2D43-9094-74508B9C7CC6}" dt="2023-03-22T11:20:29.205" v="1559" actId="478"/>
-          <ac:spMkLst>
-            <pc:docMk/>
-            <pc:sldMk cId="90160218" sldId="279"/>
-            <ac:spMk id="2" creationId="{A38859A9-B4FD-9DD8-4FA1-1DC50EDC6691}"/>
-          </ac:spMkLst>
-        </pc:spChg>
-        <pc:spChg chg="mod">
-          <ac:chgData name="Simon Mitchell" userId="ccf6019c-927f-4068-bc63-8cf034289409" providerId="ADAL" clId="{58722717-CA90-2D43-9094-74508B9C7CC6}" dt="2023-03-22T11:20:20.149" v="1547" actId="20577"/>
-          <ac:spMkLst>
-            <pc:docMk/>
-            <pc:sldMk cId="90160218" sldId="279"/>
-            <ac:spMk id="3" creationId="{39D24C0C-BA66-A9F8-5756-A3E060CC7F1B}"/>
-          </ac:spMkLst>
-        </pc:spChg>
-      </pc:sldChg>
-    </pc:docChg>
-  </pc:docChgLst>
-  <pc:docChgLst>
-    <pc:chgData name="Simon Mitchell" userId="ccf6019c-927f-4068-bc63-8cf034289409" providerId="ADAL" clId="{9D4E3BA0-74A5-E64F-A409-34AA5F34576E}"/>
-    <pc:docChg chg="undo custSel modSld">
-      <pc:chgData name="Simon Mitchell" userId="ccf6019c-927f-4068-bc63-8cf034289409" providerId="ADAL" clId="{9D4E3BA0-74A5-E64F-A409-34AA5F34576E}" dt="2024-03-19T17:10:16.351" v="20" actId="20577"/>
-      <pc:docMkLst>
-        <pc:docMk/>
-      </pc:docMkLst>
-      <pc:sldChg chg="delSp modSp mod">
-        <pc:chgData name="Simon Mitchell" userId="ccf6019c-927f-4068-bc63-8cf034289409" providerId="ADAL" clId="{9D4E3BA0-74A5-E64F-A409-34AA5F34576E}" dt="2024-03-18T17:29:59.117" v="1" actId="20577"/>
-        <pc:sldMkLst>
-          <pc:docMk/>
-          <pc:sldMk cId="3211065644" sldId="261"/>
-        </pc:sldMkLst>
-        <pc:spChg chg="mod">
-          <ac:chgData name="Simon Mitchell" userId="ccf6019c-927f-4068-bc63-8cf034289409" providerId="ADAL" clId="{9D4E3BA0-74A5-E64F-A409-34AA5F34576E}" dt="2024-03-18T17:29:59.117" v="1" actId="20577"/>
-          <ac:spMkLst>
-            <pc:docMk/>
-            <pc:sldMk cId="3211065644" sldId="261"/>
-            <ac:spMk id="3" creationId="{7617BFA5-6924-0B48-AA21-1609E513A810}"/>
-          </ac:spMkLst>
-        </pc:spChg>
-        <pc:picChg chg="del">
-          <ac:chgData name="Simon Mitchell" userId="ccf6019c-927f-4068-bc63-8cf034289409" providerId="ADAL" clId="{9D4E3BA0-74A5-E64F-A409-34AA5F34576E}" dt="2024-03-18T17:29:55.627" v="0" actId="478"/>
-          <ac:picMkLst>
-            <pc:docMk/>
-            <pc:sldMk cId="3211065644" sldId="261"/>
-            <ac:picMk id="2058" creationId="{993A15D2-8FF8-F642-9BD4-26EAA7A8C532}"/>
-          </ac:picMkLst>
-        </pc:picChg>
-      </pc:sldChg>
-      <pc:sldChg chg="modSp mod">
-        <pc:chgData name="Simon Mitchell" userId="ccf6019c-927f-4068-bc63-8cf034289409" providerId="ADAL" clId="{9D4E3BA0-74A5-E64F-A409-34AA5F34576E}" dt="2024-03-19T17:10:16.351" v="20" actId="20577"/>
-        <pc:sldMkLst>
-          <pc:docMk/>
-          <pc:sldMk cId="374086799" sldId="262"/>
-        </pc:sldMkLst>
-        <pc:spChg chg="mod">
-          <ac:chgData name="Simon Mitchell" userId="ccf6019c-927f-4068-bc63-8cf034289409" providerId="ADAL" clId="{9D4E3BA0-74A5-E64F-A409-34AA5F34576E}" dt="2024-03-19T17:10:16.351" v="20" actId="20577"/>
-          <ac:spMkLst>
-            <pc:docMk/>
-            <pc:sldMk cId="374086799" sldId="262"/>
-            <ac:spMk id="3" creationId="{7617BFA5-6924-0B48-AA21-1609E513A810}"/>
-          </ac:spMkLst>
-        </pc:spChg>
-      </pc:sldChg>
-      <pc:sldChg chg="delSp modSp mod">
-        <pc:chgData name="Simon Mitchell" userId="ccf6019c-927f-4068-bc63-8cf034289409" providerId="ADAL" clId="{9D4E3BA0-74A5-E64F-A409-34AA5F34576E}" dt="2024-03-18T17:30:32.114" v="14" actId="20577"/>
-        <pc:sldMkLst>
-          <pc:docMk/>
-          <pc:sldMk cId="3011729308" sldId="265"/>
-        </pc:sldMkLst>
-        <pc:spChg chg="mod">
-          <ac:chgData name="Simon Mitchell" userId="ccf6019c-927f-4068-bc63-8cf034289409" providerId="ADAL" clId="{9D4E3BA0-74A5-E64F-A409-34AA5F34576E}" dt="2024-03-18T17:30:32.114" v="14" actId="20577"/>
-          <ac:spMkLst>
-            <pc:docMk/>
-            <pc:sldMk cId="3011729308" sldId="265"/>
-            <ac:spMk id="3" creationId="{7617BFA5-6924-0B48-AA21-1609E513A810}"/>
-          </ac:spMkLst>
-        </pc:spChg>
-        <pc:picChg chg="del">
-          <ac:chgData name="Simon Mitchell" userId="ccf6019c-927f-4068-bc63-8cf034289409" providerId="ADAL" clId="{9D4E3BA0-74A5-E64F-A409-34AA5F34576E}" dt="2024-03-18T17:30:12.539" v="4" actId="478"/>
-          <ac:picMkLst>
-            <pc:docMk/>
-            <pc:sldMk cId="3011729308" sldId="265"/>
-            <ac:picMk id="2058" creationId="{993A15D2-8FF8-F642-9BD4-26EAA7A8C532}"/>
-          </ac:picMkLst>
-        </pc:picChg>
-      </pc:sldChg>
-      <pc:sldChg chg="delSp modSp mod">
-        <pc:chgData name="Simon Mitchell" userId="ccf6019c-927f-4068-bc63-8cf034289409" providerId="ADAL" clId="{9D4E3BA0-74A5-E64F-A409-34AA5F34576E}" dt="2024-03-18T17:30:06.068" v="3" actId="20577"/>
-        <pc:sldMkLst>
-          <pc:docMk/>
-          <pc:sldMk cId="2449798560" sldId="268"/>
-        </pc:sldMkLst>
-        <pc:spChg chg="mod">
-          <ac:chgData name="Simon Mitchell" userId="ccf6019c-927f-4068-bc63-8cf034289409" providerId="ADAL" clId="{9D4E3BA0-74A5-E64F-A409-34AA5F34576E}" dt="2024-03-18T17:30:06.068" v="3" actId="20577"/>
-          <ac:spMkLst>
-            <pc:docMk/>
-            <pc:sldMk cId="2449798560" sldId="268"/>
-            <ac:spMk id="3" creationId="{7617BFA5-6924-0B48-AA21-1609E513A810}"/>
-          </ac:spMkLst>
-        </pc:spChg>
-        <pc:picChg chg="del">
-          <ac:chgData name="Simon Mitchell" userId="ccf6019c-927f-4068-bc63-8cf034289409" providerId="ADAL" clId="{9D4E3BA0-74A5-E64F-A409-34AA5F34576E}" dt="2024-03-18T17:30:01.464" v="2" actId="478"/>
-          <ac:picMkLst>
-            <pc:docMk/>
-            <pc:sldMk cId="2449798560" sldId="268"/>
-            <ac:picMk id="2058" creationId="{993A15D2-8FF8-F642-9BD4-26EAA7A8C532}"/>
-          </ac:picMkLst>
-        </pc:picChg>
-      </pc:sldChg>
-    </pc:docChg>
-  </pc:docChgLst>
-  <pc:docChgLst>
-    <pc:chgData name="Simon Mitchell" userId="ccf6019c-927f-4068-bc63-8cf034289409" providerId="ADAL" clId="{39F00CB8-4F76-6D48-A718-B536F34EEAC0}"/>
-    <pc:docChg chg="custSel modSld sldOrd">
-      <pc:chgData name="Simon Mitchell" userId="ccf6019c-927f-4068-bc63-8cf034289409" providerId="ADAL" clId="{39F00CB8-4F76-6D48-A718-B536F34EEAC0}" dt="2023-03-29T08:16:00.545" v="37" actId="20577"/>
-      <pc:docMkLst>
-        <pc:docMk/>
-      </pc:docMkLst>
-      <pc:sldChg chg="ord">
-        <pc:chgData name="Simon Mitchell" userId="ccf6019c-927f-4068-bc63-8cf034289409" providerId="ADAL" clId="{39F00CB8-4F76-6D48-A718-B536F34EEAC0}" dt="2023-03-29T08:14:46.863" v="0" actId="20578"/>
-        <pc:sldMkLst>
-          <pc:docMk/>
-          <pc:sldMk cId="3011729308" sldId="265"/>
-        </pc:sldMkLst>
-      </pc:sldChg>
-      <pc:sldChg chg="modSp mod">
-        <pc:chgData name="Simon Mitchell" userId="ccf6019c-927f-4068-bc63-8cf034289409" providerId="ADAL" clId="{39F00CB8-4F76-6D48-A718-B536F34EEAC0}" dt="2023-03-29T08:15:14.275" v="2" actId="20577"/>
-        <pc:sldMkLst>
-          <pc:docMk/>
-          <pc:sldMk cId="1369860436" sldId="266"/>
-        </pc:sldMkLst>
-        <pc:spChg chg="mod">
-          <ac:chgData name="Simon Mitchell" userId="ccf6019c-927f-4068-bc63-8cf034289409" providerId="ADAL" clId="{39F00CB8-4F76-6D48-A718-B536F34EEAC0}" dt="2023-03-29T08:15:14.275" v="2" actId="20577"/>
-          <ac:spMkLst>
-            <pc:docMk/>
-            <pc:sldMk cId="1369860436" sldId="266"/>
-            <ac:spMk id="3" creationId="{6B966F03-8D56-47C6-9347-6D7E73002C5B}"/>
-          </ac:spMkLst>
-        </pc:spChg>
-      </pc:sldChg>
-      <pc:sldChg chg="ord">
-        <pc:chgData name="Simon Mitchell" userId="ccf6019c-927f-4068-bc63-8cf034289409" providerId="ADAL" clId="{39F00CB8-4F76-6D48-A718-B536F34EEAC0}" dt="2023-03-29T08:14:46.863" v="0" actId="20578"/>
-        <pc:sldMkLst>
-          <pc:docMk/>
-          <pc:sldMk cId="2449798560" sldId="268"/>
-        </pc:sldMkLst>
-      </pc:sldChg>
-      <pc:sldChg chg="modSp mod">
-        <pc:chgData name="Simon Mitchell" userId="ccf6019c-927f-4068-bc63-8cf034289409" providerId="ADAL" clId="{39F00CB8-4F76-6D48-A718-B536F34EEAC0}" dt="2023-03-29T08:15:40.370" v="4" actId="20577"/>
-        <pc:sldMkLst>
-          <pc:docMk/>
-          <pc:sldMk cId="1011079285" sldId="272"/>
-        </pc:sldMkLst>
-        <pc:spChg chg="mod">
-          <ac:chgData name="Simon Mitchell" userId="ccf6019c-927f-4068-bc63-8cf034289409" providerId="ADAL" clId="{39F00CB8-4F76-6D48-A718-B536F34EEAC0}" dt="2023-03-29T08:15:40.370" v="4" actId="20577"/>
-          <ac:spMkLst>
-            <pc:docMk/>
-            <pc:sldMk cId="1011079285" sldId="272"/>
-            <ac:spMk id="3" creationId="{6B966F03-8D56-47C6-9347-6D7E73002C5B}"/>
-          </ac:spMkLst>
-        </pc:spChg>
-      </pc:sldChg>
-      <pc:sldChg chg="modSp mod">
-        <pc:chgData name="Simon Mitchell" userId="ccf6019c-927f-4068-bc63-8cf034289409" providerId="ADAL" clId="{39F00CB8-4F76-6D48-A718-B536F34EEAC0}" dt="2023-03-29T08:16:00.545" v="37" actId="20577"/>
-        <pc:sldMkLst>
-          <pc:docMk/>
-          <pc:sldMk cId="2247597629" sldId="276"/>
-        </pc:sldMkLst>
-        <pc:spChg chg="mod">
-          <ac:chgData name="Simon Mitchell" userId="ccf6019c-927f-4068-bc63-8cf034289409" providerId="ADAL" clId="{39F00CB8-4F76-6D48-A718-B536F34EEAC0}" dt="2023-03-29T08:16:00.545" v="37" actId="20577"/>
-          <ac:spMkLst>
-            <pc:docMk/>
-            <pc:sldMk cId="2247597629" sldId="276"/>
-            <ac:spMk id="31" creationId="{03B1E3D5-3F7C-EB0E-DC85-43DFEF0E2936}"/>
-          </ac:spMkLst>
-        </pc:spChg>
-      </pc:sldChg>
-    </pc:docChg>
-  </pc:docChgLst>
-</pc:chgInfo>
-</file>
-
 <file path=ppt/notesMasters/notesMaster1.xml><?xml version="1.0" encoding="utf-8"?>
 <p:notesMaster xmlns:a="http://schemas.openxmlformats.org/drawingml/2006/main" xmlns:r="http://schemas.openxmlformats.org/officeDocument/2006/relationships" xmlns:p="http://schemas.openxmlformats.org/presentationml/2006/main">
   <p:cSld>
@@ -1478,7 +219,7 @@
           <a:p>
             <a:fld id="{A1DE5427-BB1E-AB42-B83E-50C99CC17C1A}" type="datetimeFigureOut">
               <a:rPr lang="en-GB" smtClean="0"/>
-              <a:t>19/03/2024</a:t>
+              <a:t>21/02/2025</a:t>
             </a:fld>
             <a:endParaRPr lang="en-GB"/>
           </a:p>
@@ -9217,7 +7958,23 @@
             </a:r>
             <a:r>
               <a:rPr lang="en-GB" sz="2000" dirty="0"/>
-              <a:t>.     Dr Richard Norris.            </a:t>
+              <a:t>.         </a:t>
+            </a:r>
+            <a:r>
+              <a:rPr lang="en-GB" sz="2000" dirty="0" err="1"/>
+              <a:t>Aimilia</a:t>
+            </a:r>
+            <a:r>
+              <a:rPr lang="en-GB" sz="2000" dirty="0"/>
+              <a:t> </a:t>
+            </a:r>
+            <a:r>
+              <a:rPr lang="en-GB" sz="2000" dirty="0" err="1"/>
+              <a:t>Vareli</a:t>
+            </a:r>
+            <a:r>
+              <a:rPr lang="en-GB" sz="2000" dirty="0"/>
+              <a:t>            </a:t>
             </a:r>
           </a:p>
           <a:p>
@@ -9334,53 +8091,6 @@
           </a:extLst>
         </p:spPr>
       </p:pic>
-      <p:pic>
-        <p:nvPicPr>
-          <p:cNvPr id="2056" name="Picture 8" descr="Avatar - Richard Norris">
-            <a:extLst>
-              <a:ext uri="{FF2B5EF4-FFF2-40B4-BE49-F238E27FC236}">
-                <a16:creationId xmlns:a16="http://schemas.microsoft.com/office/drawing/2014/main" id="{D713399C-2F65-D249-B704-4B2EBD72FD6C}"/>
-              </a:ext>
-            </a:extLst>
-          </p:cNvPr>
-          <p:cNvPicPr>
-            <a:picLocks noChangeAspect="1" noChangeArrowheads="1"/>
-          </p:cNvPicPr>
-          <p:nvPr/>
-        </p:nvPicPr>
-        <p:blipFill>
-          <a:blip r:embed="rId5">
-            <a:extLst>
-              <a:ext uri="{28A0092B-C50C-407E-A947-70E740481C1C}">
-                <a14:useLocalDpi xmlns:a14="http://schemas.microsoft.com/office/drawing/2010/main" val="0"/>
-              </a:ext>
-            </a:extLst>
-          </a:blip>
-          <a:srcRect/>
-          <a:stretch>
-            <a:fillRect/>
-          </a:stretch>
-        </p:blipFill>
-        <p:spPr bwMode="auto">
-          <a:xfrm>
-            <a:off x="4928802" y="1738040"/>
-            <a:ext cx="2045683" cy="2045683"/>
-          </a:xfrm>
-          <a:prstGeom prst="rect">
-            <a:avLst/>
-          </a:prstGeom>
-          <a:noFill/>
-          <a:extLst>
-            <a:ext uri="{909E8E84-426E-40DD-AFC4-6F175D3DCCD1}">
-              <a14:hiddenFill xmlns:a14="http://schemas.microsoft.com/office/drawing/2010/main">
-                <a:solidFill>
-                  <a:srgbClr val="FFFFFF"/>
-                </a:solidFill>
-              </a14:hiddenFill>
-            </a:ext>
-          </a:extLst>
-        </p:spPr>
-      </p:pic>
       <p:sp>
         <p:nvSpPr>
           <p:cNvPr id="10" name="TextBox 9">
@@ -9411,7 +8121,7 @@
           <a:p>
             <a:r>
               <a:rPr lang="en-GB">
-                <a:hlinkClick r:id="rId6"/>
+                <a:hlinkClick r:id="rId5"/>
               </a:rPr>
               <a:t>https://mitchell.science/</a:t>
             </a:r>
@@ -9422,6 +8132,51 @@
           </a:p>
         </p:txBody>
       </p:sp>
+      <p:pic>
+        <p:nvPicPr>
+          <p:cNvPr id="1026" name="Picture 2" descr="Profile photo of Aimilia Vareli">
+            <a:extLst>
+              <a:ext uri="{FF2B5EF4-FFF2-40B4-BE49-F238E27FC236}">
+                <a16:creationId xmlns:a16="http://schemas.microsoft.com/office/drawing/2014/main" id="{9F16450C-956A-1561-FB9C-D8850DAFB9F8}"/>
+              </a:ext>
+            </a:extLst>
+          </p:cNvPr>
+          <p:cNvPicPr>
+            <a:picLocks noChangeAspect="1" noChangeArrowheads="1"/>
+          </p:cNvPicPr>
+          <p:nvPr/>
+        </p:nvPicPr>
+        <p:blipFill rotWithShape="1">
+          <a:blip r:embed="rId6">
+            <a:extLst>
+              <a:ext uri="{28A0092B-C50C-407E-A947-70E740481C1C}">
+                <a14:useLocalDpi xmlns:a14="http://schemas.microsoft.com/office/drawing/2010/main" val="0"/>
+              </a:ext>
+            </a:extLst>
+          </a:blip>
+          <a:srcRect l="11873" r="12239" b="24113"/>
+          <a:stretch/>
+        </p:blipFill>
+        <p:spPr bwMode="auto">
+          <a:xfrm>
+            <a:off x="4928802" y="1743848"/>
+            <a:ext cx="2045683" cy="2045683"/>
+          </a:xfrm>
+          <a:prstGeom prst="rect">
+            <a:avLst/>
+          </a:prstGeom>
+          <a:noFill/>
+          <a:extLst>
+            <a:ext uri="{909E8E84-426E-40DD-AFC4-6F175D3DCCD1}">
+              <a14:hiddenFill xmlns:a14="http://schemas.microsoft.com/office/drawing/2010/main">
+                <a:solidFill>
+                  <a:srgbClr val="FFFFFF"/>
+                </a:solidFill>
+              </a14:hiddenFill>
+            </a:ext>
+          </a:extLst>
+        </p:spPr>
+      </p:pic>
     </p:spTree>
     <p:extLst>
       <p:ext uri="{BB962C8B-B14F-4D97-AF65-F5344CB8AC3E}">
@@ -9532,8 +8287,21 @@
             </a:r>
             <a:r>
               <a:rPr lang="en-GB" sz="2000" dirty="0"/>
-              <a:t>.     Dr Richard Norris.            </a:t>
-            </a:r>
+              <a:t>.     </a:t>
+            </a:r>
+            <a:r>
+              <a:rPr lang="en-GB" sz="2000" dirty="0" err="1"/>
+              <a:t>Aimilia</a:t>
+            </a:r>
+            <a:r>
+              <a:rPr lang="en-GB" sz="2000" dirty="0"/>
+              <a:t> </a:t>
+            </a:r>
+            <a:r>
+              <a:rPr lang="en-GB" sz="2000" dirty="0" err="1"/>
+              <a:t>Vareli</a:t>
+            </a:r>
+            <a:endParaRPr lang="en-GB" sz="2000" dirty="0"/>
           </a:p>
           <a:p>
             <a:endParaRPr lang="en-GB" sz="2000" dirty="0"/>
@@ -9646,10 +8414,10 @@
       </p:pic>
       <p:pic>
         <p:nvPicPr>
-          <p:cNvPr id="2056" name="Picture 8" descr="Avatar - Richard Norris">
-            <a:extLst>
-              <a:ext uri="{FF2B5EF4-FFF2-40B4-BE49-F238E27FC236}">
-                <a16:creationId xmlns:a16="http://schemas.microsoft.com/office/drawing/2014/main" id="{D713399C-2F65-D249-B704-4B2EBD72FD6C}"/>
+          <p:cNvPr id="5" name="Picture 2" descr="Profile photo of Aimilia Vareli">
+            <a:extLst>
+              <a:ext uri="{FF2B5EF4-FFF2-40B4-BE49-F238E27FC236}">
+                <a16:creationId xmlns:a16="http://schemas.microsoft.com/office/drawing/2014/main" id="{5BDBB346-D116-3412-25A7-5340E67EE72A}"/>
               </a:ext>
             </a:extLst>
           </p:cNvPr>
@@ -9658,7 +8426,7 @@
           </p:cNvPicPr>
           <p:nvPr/>
         </p:nvPicPr>
-        <p:blipFill>
+        <p:blipFill rotWithShape="1">
           <a:blip r:embed="rId5">
             <a:extLst>
               <a:ext uri="{28A0092B-C50C-407E-A947-70E740481C1C}">
@@ -9666,14 +8434,12 @@
               </a:ext>
             </a:extLst>
           </a:blip>
-          <a:srcRect/>
-          <a:stretch>
-            <a:fillRect/>
-          </a:stretch>
+          <a:srcRect l="11873" r="12239" b="24113"/>
+          <a:stretch/>
         </p:blipFill>
         <p:spPr bwMode="auto">
           <a:xfrm>
-            <a:off x="4928802" y="1738040"/>
+            <a:off x="4928802" y="1743848"/>
             <a:ext cx="2045683" cy="2045683"/>
           </a:xfrm>
           <a:prstGeom prst="rect">
@@ -9844,8 +8610,21 @@
             </a:r>
             <a:r>
               <a:rPr lang="en-GB" sz="2000" dirty="0"/>
-              <a:t>.     Dr Richard Norris.             </a:t>
-            </a:r>
+              <a:t>.     </a:t>
+            </a:r>
+            <a:r>
+              <a:rPr lang="en-GB" sz="2000" dirty="0" err="1"/>
+              <a:t>Aimilia</a:t>
+            </a:r>
+            <a:r>
+              <a:rPr lang="en-GB" sz="2000" dirty="0"/>
+              <a:t> </a:t>
+            </a:r>
+            <a:r>
+              <a:rPr lang="en-GB" sz="2000" dirty="0" err="1"/>
+              <a:t>Vareli</a:t>
+            </a:r>
+            <a:endParaRPr lang="en-GB" sz="2000" dirty="0"/>
           </a:p>
           <a:p>
             <a:r>
@@ -9935,53 +8714,6 @@
         <p:spPr bwMode="auto">
           <a:xfrm>
             <a:off x="2662521" y="1738041"/>
-            <a:ext cx="2045683" cy="2045683"/>
-          </a:xfrm>
-          <a:prstGeom prst="rect">
-            <a:avLst/>
-          </a:prstGeom>
-          <a:noFill/>
-          <a:extLst>
-            <a:ext uri="{909E8E84-426E-40DD-AFC4-6F175D3DCCD1}">
-              <a14:hiddenFill xmlns:a14="http://schemas.microsoft.com/office/drawing/2010/main">
-                <a:solidFill>
-                  <a:srgbClr val="FFFFFF"/>
-                </a:solidFill>
-              </a14:hiddenFill>
-            </a:ext>
-          </a:extLst>
-        </p:spPr>
-      </p:pic>
-      <p:pic>
-        <p:nvPicPr>
-          <p:cNvPr id="2056" name="Picture 8" descr="Avatar - Richard Norris">
-            <a:extLst>
-              <a:ext uri="{FF2B5EF4-FFF2-40B4-BE49-F238E27FC236}">
-                <a16:creationId xmlns:a16="http://schemas.microsoft.com/office/drawing/2014/main" id="{D713399C-2F65-D249-B704-4B2EBD72FD6C}"/>
-              </a:ext>
-            </a:extLst>
-          </p:cNvPr>
-          <p:cNvPicPr>
-            <a:picLocks noChangeAspect="1" noChangeArrowheads="1"/>
-          </p:cNvPicPr>
-          <p:nvPr/>
-        </p:nvPicPr>
-        <p:blipFill>
-          <a:blip r:embed="rId5">
-            <a:extLst>
-              <a:ext uri="{28A0092B-C50C-407E-A947-70E740481C1C}">
-                <a14:useLocalDpi xmlns:a14="http://schemas.microsoft.com/office/drawing/2010/main" val="0"/>
-              </a:ext>
-            </a:extLst>
-          </a:blip>
-          <a:srcRect/>
-          <a:stretch>
-            <a:fillRect/>
-          </a:stretch>
-        </p:blipFill>
-        <p:spPr bwMode="auto">
-          <a:xfrm>
-            <a:off x="4928802" y="1738040"/>
             <a:ext cx="2045683" cy="2045683"/>
           </a:xfrm>
           <a:prstGeom prst="rect">
@@ -10057,7 +8789,7 @@
           <p:nvPr/>
         </p:nvPicPr>
         <p:blipFill>
-          <a:blip r:embed="rId6">
+          <a:blip r:embed="rId5">
             <a:extLst>
               <a:ext uri="{28A0092B-C50C-407E-A947-70E740481C1C}">
                 <a14:useLocalDpi xmlns:a14="http://schemas.microsoft.com/office/drawing/2010/main" val="0"/>
@@ -10104,7 +8836,7 @@
           <p:nvPr/>
         </p:nvPicPr>
         <p:blipFill>
-          <a:blip r:embed="rId7"/>
+          <a:blip r:embed="rId6"/>
           <a:stretch>
             <a:fillRect/>
           </a:stretch>
@@ -10134,7 +8866,7 @@
           <p:nvPr/>
         </p:nvPicPr>
         <p:blipFill>
-          <a:blip r:embed="rId8"/>
+          <a:blip r:embed="rId7"/>
           <a:stretch>
             <a:fillRect/>
           </a:stretch>
@@ -10147,6 +8879,51 @@
           <a:prstGeom prst="rect">
             <a:avLst/>
           </a:prstGeom>
+        </p:spPr>
+      </p:pic>
+      <p:pic>
+        <p:nvPicPr>
+          <p:cNvPr id="4" name="Picture 2" descr="Profile photo of Aimilia Vareli">
+            <a:extLst>
+              <a:ext uri="{FF2B5EF4-FFF2-40B4-BE49-F238E27FC236}">
+                <a16:creationId xmlns:a16="http://schemas.microsoft.com/office/drawing/2014/main" id="{8675A47E-58DF-77B2-149B-5D7D0CA4B56B}"/>
+              </a:ext>
+            </a:extLst>
+          </p:cNvPr>
+          <p:cNvPicPr>
+            <a:picLocks noChangeAspect="1" noChangeArrowheads="1"/>
+          </p:cNvPicPr>
+          <p:nvPr/>
+        </p:nvPicPr>
+        <p:blipFill rotWithShape="1">
+          <a:blip r:embed="rId8">
+            <a:extLst>
+              <a:ext uri="{28A0092B-C50C-407E-A947-70E740481C1C}">
+                <a14:useLocalDpi xmlns:a14="http://schemas.microsoft.com/office/drawing/2010/main" val="0"/>
+              </a:ext>
+            </a:extLst>
+          </a:blip>
+          <a:srcRect l="11873" r="12239" b="24113"/>
+          <a:stretch/>
+        </p:blipFill>
+        <p:spPr bwMode="auto">
+          <a:xfrm>
+            <a:off x="4928802" y="1743848"/>
+            <a:ext cx="2045683" cy="2045683"/>
+          </a:xfrm>
+          <a:prstGeom prst="rect">
+            <a:avLst/>
+          </a:prstGeom>
+          <a:noFill/>
+          <a:extLst>
+            <a:ext uri="{909E8E84-426E-40DD-AFC4-6F175D3DCCD1}">
+              <a14:hiddenFill xmlns:a14="http://schemas.microsoft.com/office/drawing/2010/main">
+                <a:solidFill>
+                  <a:srgbClr val="FFFFFF"/>
+                </a:solidFill>
+              </a14:hiddenFill>
+            </a:ext>
+          </a:extLst>
         </p:spPr>
       </p:pic>
     </p:spTree>
@@ -11556,12 +10333,6 @@
 </file>
 
 <file path=customXml/item1.xml><?xml version="1.0" encoding="utf-8"?>
-<p:properties xmlns:p="http://schemas.microsoft.com/office/2006/metadata/properties" xmlns:xsi="http://www.w3.org/2001/XMLSchema-instance" xmlns:pc="http://schemas.microsoft.com/office/infopath/2007/PartnerControls">
-  <documentManagement/>
-</p:properties>
-</file>
-
-<file path=customXml/item2.xml><?xml version="1.0" encoding="utf-8"?>
 <ct:contentTypeSchema xmlns:ct="http://schemas.microsoft.com/office/2006/metadata/contentType" xmlns:ma="http://schemas.microsoft.com/office/2006/metadata/properties/metaAttributes" ct:_="" ma:_="" ma:contentTypeName="Document" ma:contentTypeID="0x010100796314CD6BFA1D418807532729E508A7" ma:contentTypeVersion="11" ma:contentTypeDescription="Create a new document." ma:contentTypeScope="" ma:versionID="aecafcc52205bf896519f571f793a2b9">
   <xsd:schema xmlns:xsd="http://www.w3.org/2001/XMLSchema" xmlns:xs="http://www.w3.org/2001/XMLSchema" xmlns:p="http://schemas.microsoft.com/office/2006/metadata/properties" xmlns:ns2="d0cf7155-5292-499e-94b8-ceb291bf61f2" xmlns:ns3="4b675c51-347a-4eaa-9a55-7e0aca984822" targetNamespace="http://schemas.microsoft.com/office/2006/metadata/properties" ma:root="true" ma:fieldsID="45a7e907e539d530dce02ffe772ad185" ns2:_="" ns3:_="">
     <xsd:import namespace="d0cf7155-5292-499e-94b8-ceb291bf61f2"/>
@@ -11772,6 +10543,12 @@
 </ct:contentTypeSchema>
 </file>
 
+<file path=customXml/item2.xml><?xml version="1.0" encoding="utf-8"?>
+<p:properties xmlns:p="http://schemas.microsoft.com/office/2006/metadata/properties" xmlns:xsi="http://www.w3.org/2001/XMLSchema-instance" xmlns:pc="http://schemas.microsoft.com/office/infopath/2007/PartnerControls">
+  <documentManagement/>
+</p:properties>
+</file>
+
 <file path=customXml/item3.xml><?xml version="1.0" encoding="utf-8"?>
 <?mso-contentType ?>
 <FormTemplates xmlns="http://schemas.microsoft.com/sharepoint/v3/contenttype/forms">
@@ -11782,23 +10559,6 @@
 </file>
 
 <file path=customXml/itemProps1.xml><?xml version="1.0" encoding="utf-8"?>
-<ds:datastoreItem xmlns:ds="http://schemas.openxmlformats.org/officeDocument/2006/customXml" ds:itemID="{0D2FD8D5-C065-4D8A-ABEF-3FF392831CC5}">
-  <ds:schemaRefs>
-    <ds:schemaRef ds:uri="d0cf7155-5292-499e-94b8-ceb291bf61f2"/>
-    <ds:schemaRef ds:uri="http://purl.org/dc/dcmitype/"/>
-    <ds:schemaRef ds:uri="http://schemas.microsoft.com/office/infopath/2007/PartnerControls"/>
-    <ds:schemaRef ds:uri="http://www.w3.org/XML/1998/namespace"/>
-    <ds:schemaRef ds:uri="http://schemas.microsoft.com/office/2006/documentManagement/types"/>
-    <ds:schemaRef ds:uri="http://schemas.microsoft.com/office/2006/metadata/properties"/>
-    <ds:schemaRef ds:uri="http://purl.org/dc/terms/"/>
-    <ds:schemaRef ds:uri="http://purl.org/dc/elements/1.1/"/>
-    <ds:schemaRef ds:uri="http://schemas.openxmlformats.org/package/2006/metadata/core-properties"/>
-    <ds:schemaRef ds:uri="4b675c51-347a-4eaa-9a55-7e0aca984822"/>
-  </ds:schemaRefs>
-</ds:datastoreItem>
-</file>
-
-<file path=customXml/itemProps2.xml><?xml version="1.0" encoding="utf-8"?>
 <ds:datastoreItem xmlns:ds="http://schemas.openxmlformats.org/officeDocument/2006/customXml" ds:itemID="{5EE27B24-E034-496A-A32B-E68EFC3B6BE5}">
   <ds:schemaRefs>
     <ds:schemaRef ds:uri="4b675c51-347a-4eaa-9a55-7e0aca984822"/>
@@ -11817,6 +10577,23 @@
 </ds:datastoreItem>
 </file>
 
+<file path=customXml/itemProps2.xml><?xml version="1.0" encoding="utf-8"?>
+<ds:datastoreItem xmlns:ds="http://schemas.openxmlformats.org/officeDocument/2006/customXml" ds:itemID="{0D2FD8D5-C065-4D8A-ABEF-3FF392831CC5}">
+  <ds:schemaRefs>
+    <ds:schemaRef ds:uri="d0cf7155-5292-499e-94b8-ceb291bf61f2"/>
+    <ds:schemaRef ds:uri="http://purl.org/dc/dcmitype/"/>
+    <ds:schemaRef ds:uri="http://schemas.microsoft.com/office/infopath/2007/PartnerControls"/>
+    <ds:schemaRef ds:uri="http://www.w3.org/XML/1998/namespace"/>
+    <ds:schemaRef ds:uri="http://schemas.microsoft.com/office/2006/documentManagement/types"/>
+    <ds:schemaRef ds:uri="http://schemas.microsoft.com/office/2006/metadata/properties"/>
+    <ds:schemaRef ds:uri="http://purl.org/dc/terms/"/>
+    <ds:schemaRef ds:uri="http://purl.org/dc/elements/1.1/"/>
+    <ds:schemaRef ds:uri="http://schemas.openxmlformats.org/package/2006/metadata/core-properties"/>
+    <ds:schemaRef ds:uri="4b675c51-347a-4eaa-9a55-7e0aca984822"/>
+  </ds:schemaRefs>
+</ds:datastoreItem>
+</file>
+
 <file path=customXml/itemProps3.xml><?xml version="1.0" encoding="utf-8"?>
 <ds:datastoreItem xmlns:ds="http://schemas.openxmlformats.org/officeDocument/2006/customXml" ds:itemID="{4591DFF0-32FE-4E37-A04B-CD659AF4E52B}">
   <ds:schemaRefs>
